--- a/Covid19/Covid19_dashboard.pptx
+++ b/Covid19/Covid19_dashboard.pptx
@@ -43,6 +43,7 @@
     <p:sldId id="291" r:id="rId42"/>
     <p:sldId id="292" r:id="rId43"/>
     <p:sldId id="293" r:id="rId44"/>
+    <p:sldId id="294" r:id="rId45"/>
   </p:sldIdLst>
   <p:sldSz cx="14630400" cy="8229600" type="screen4x3"/>
   <p:notesSz cx="6858000" cy="9144000"/>
@@ -3265,7 +3266,7 @@
       <p:grpSpPr/>
       <p:pic>
         <p:nvPicPr>
-          <p:cNvPr id="2" name="Picture 1" descr="newCases_Mexico.png"/>
+          <p:cNvPr id="2" name="Picture 1" descr="newCases_Canada.png"/>
           <p:cNvPicPr>
             <a:picLocks noChangeAspect="1"/>
           </p:cNvPicPr>
@@ -3314,7 +3315,7 @@
               <a:rPr sz="3500">
                 <a:latin typeface="Arial"/>
               </a:rPr>
-              <a:t>Daily Covid-19 Cases in Mexico</a:t>
+              <a:t>Daily Covid-19 Cases in Canada</a:t>
             </a:r>
           </a:p>
         </p:txBody>
@@ -3426,7 +3427,7 @@
       <p:grpSpPr/>
       <p:pic>
         <p:nvPicPr>
-          <p:cNvPr id="2" name="Picture 1" descr="newCases_UnitedKingdom.png"/>
+          <p:cNvPr id="2" name="Picture 1" descr="newCases_Mexico.png"/>
           <p:cNvPicPr>
             <a:picLocks noChangeAspect="1"/>
           </p:cNvPicPr>
@@ -3475,7 +3476,7 @@
               <a:rPr sz="3500">
                 <a:latin typeface="Arial"/>
               </a:rPr>
-              <a:t>Daily Covid-19 Cases in United Kingdom</a:t>
+              <a:t>Daily Covid-19 Cases in Mexico</a:t>
             </a:r>
           </a:p>
         </p:txBody>
@@ -3587,7 +3588,7 @@
       <p:grpSpPr/>
       <p:pic>
         <p:nvPicPr>
-          <p:cNvPr id="2" name="Picture 1" descr="newCases_France.png"/>
+          <p:cNvPr id="2" name="Picture 1" descr="newCases_UnitedKingdom.png"/>
           <p:cNvPicPr>
             <a:picLocks noChangeAspect="1"/>
           </p:cNvPicPr>
@@ -3636,7 +3637,7 @@
               <a:rPr sz="3500">
                 <a:latin typeface="Arial"/>
               </a:rPr>
-              <a:t>Daily Covid-19 Cases in France</a:t>
+              <a:t>Daily Covid-19 Cases in United Kingdom</a:t>
             </a:r>
           </a:p>
         </p:txBody>
@@ -3748,7 +3749,7 @@
       <p:grpSpPr/>
       <p:pic>
         <p:nvPicPr>
-          <p:cNvPr id="2" name="Picture 1" descr="newCases_Germany.png"/>
+          <p:cNvPr id="2" name="Picture 1" descr="newCases_France.png"/>
           <p:cNvPicPr>
             <a:picLocks noChangeAspect="1"/>
           </p:cNvPicPr>
@@ -3797,7 +3798,7 @@
               <a:rPr sz="3500">
                 <a:latin typeface="Arial"/>
               </a:rPr>
-              <a:t>Daily Covid-19 Cases in Germany</a:t>
+              <a:t>Daily Covid-19 Cases in France</a:t>
             </a:r>
           </a:p>
         </p:txBody>
@@ -3909,7 +3910,7 @@
       <p:grpSpPr/>
       <p:pic>
         <p:nvPicPr>
-          <p:cNvPr id="2" name="Picture 1" descr="newCases_Japan.png"/>
+          <p:cNvPr id="2" name="Picture 1" descr="newCases_Germany.png"/>
           <p:cNvPicPr>
             <a:picLocks noChangeAspect="1"/>
           </p:cNvPicPr>
@@ -3958,7 +3959,7 @@
               <a:rPr sz="3500">
                 <a:latin typeface="Arial"/>
               </a:rPr>
-              <a:t>Daily Covid-19 Cases in Japan</a:t>
+              <a:t>Daily Covid-19 Cases in Germany</a:t>
             </a:r>
           </a:p>
         </p:txBody>
@@ -4070,7 +4071,7 @@
       <p:grpSpPr/>
       <p:pic>
         <p:nvPicPr>
-          <p:cNvPr id="2" name="Picture 1" descr="newCases_SouthKorea.png"/>
+          <p:cNvPr id="2" name="Picture 1" descr="newCases_Japan.png"/>
           <p:cNvPicPr>
             <a:picLocks noChangeAspect="1"/>
           </p:cNvPicPr>
@@ -4119,7 +4120,7 @@
               <a:rPr sz="3500">
                 <a:latin typeface="Arial"/>
               </a:rPr>
-              <a:t>Daily Covid-19 Cases in South Korea</a:t>
+              <a:t>Daily Covid-19 Cases in Japan</a:t>
             </a:r>
           </a:p>
         </p:txBody>
@@ -4229,104 +4230,9 @@
         <p:nvPr/>
       </p:nvGrpSpPr>
       <p:grpSpPr/>
-      <p:sp>
-        <p:nvSpPr>
-          <p:cNvPr id="2" name="TextBox 1"/>
-          <p:cNvSpPr txBox="1"/>
-          <p:nvPr/>
-        </p:nvSpPr>
-        <p:spPr>
-          <a:xfrm>
-            <a:off x="3017520" y="2240280"/>
-            <a:ext cx="8229600" cy="2743200"/>
-          </a:xfrm>
-          <a:prstGeom prst="rect">
-            <a:avLst/>
-          </a:prstGeom>
-          <a:noFill/>
-        </p:spPr>
-        <p:txBody>
-          <a:bodyPr wrap="square">
-            <a:spAutoFit/>
-          </a:bodyPr>
-          <a:lstStyle/>
-          <a:p>
-            <a:pPr algn="ctr"/>
-            <a:r>
-              <a:rPr sz="6000">
-                <a:latin typeface="Arial"/>
-              </a:rPr>
-              <a:t>Daily Covid-19 Deaths by Country</a:t>
-            </a:r>
-          </a:p>
-        </p:txBody>
-      </p:sp>
-      <p:sp>
-        <p:nvSpPr>
-          <p:cNvPr id="3" name="TextBox 2"/>
-          <p:cNvSpPr txBox="1"/>
-          <p:nvPr/>
-        </p:nvSpPr>
-        <p:spPr>
-          <a:xfrm>
-            <a:off x="3200400" y="4572000"/>
-            <a:ext cx="7680960" cy="2743200"/>
-          </a:xfrm>
-          <a:prstGeom prst="rect">
-            <a:avLst/>
-          </a:prstGeom>
-          <a:noFill/>
-        </p:spPr>
-        <p:txBody>
-          <a:bodyPr wrap="square">
-            <a:spAutoFit/>
-          </a:bodyPr>
-          <a:lstStyle/>
-          <a:p>
-            <a:pPr algn="ctr"/>
-            <a:r>
-              <a:rPr sz="3000">
-                <a:latin typeface="Arial"/>
-              </a:rPr>
-              <a:t>(USA, Canada, Mexico, UK, France, Germany, Japan, South Korea)</a:t>
-            </a:r>
-          </a:p>
-        </p:txBody>
-      </p:sp>
-      <p:sp>
-        <p:nvSpPr>
-          <p:cNvPr id="4" name="TextBox 3"/>
-          <p:cNvSpPr txBox="1"/>
-          <p:nvPr/>
-        </p:nvSpPr>
-        <p:spPr>
-          <a:xfrm>
-            <a:off x="13807440" y="7406640"/>
-            <a:ext cx="914400" cy="914400"/>
-          </a:xfrm>
-          <a:prstGeom prst="rect">
-            <a:avLst/>
-          </a:prstGeom>
-          <a:noFill/>
-        </p:spPr>
-        <p:txBody>
-          <a:bodyPr wrap="none">
-            <a:spAutoFit/>
-          </a:bodyPr>
-          <a:lstStyle/>
-          <a:p>
-            <a:r>
-              <a:rPr sz="2700">
-                <a:latin typeface="Arial"/>
-              </a:rPr>
-              <a:t>15</a:t>
-            </a:r>
-          </a:p>
-        </p:txBody>
-      </p:sp>
       <p:pic>
         <p:nvPicPr>
-          <p:cNvPr id="5" name="Picture 4" descr="rice_logo.png"/>
+          <p:cNvPr id="2" name="Picture 1" descr="newCases_SouthKorea.png"/>
           <p:cNvPicPr>
             <a:picLocks noChangeAspect="1"/>
           </p:cNvPicPr>
@@ -4334,6 +4240,125 @@
         </p:nvPicPr>
         <p:blipFill>
           <a:blip r:embed="rId2"/>
+          <a:stretch>
+            <a:fillRect/>
+          </a:stretch>
+        </p:blipFill>
+        <p:spPr>
+          <a:xfrm>
+            <a:off x="-731520" y="1828800"/>
+            <a:ext cx="16002000" cy="5334000"/>
+          </a:xfrm>
+          <a:prstGeom prst="rect">
+            <a:avLst/>
+          </a:prstGeom>
+        </p:spPr>
+      </p:pic>
+      <p:sp>
+        <p:nvSpPr>
+          <p:cNvPr id="3" name="TextBox 2"/>
+          <p:cNvSpPr txBox="1"/>
+          <p:nvPr/>
+        </p:nvSpPr>
+        <p:spPr>
+          <a:xfrm>
+            <a:off x="2103120" y="548640"/>
+            <a:ext cx="10058400" cy="2743200"/>
+          </a:xfrm>
+          <a:prstGeom prst="rect">
+            <a:avLst/>
+          </a:prstGeom>
+          <a:noFill/>
+        </p:spPr>
+        <p:txBody>
+          <a:bodyPr wrap="square">
+            <a:spAutoFit/>
+          </a:bodyPr>
+          <a:lstStyle/>
+          <a:p>
+            <a:pPr algn="ctr"/>
+            <a:r>
+              <a:rPr sz="3500">
+                <a:latin typeface="Arial"/>
+              </a:rPr>
+              <a:t>Daily Covid-19 Cases in South Korea</a:t>
+            </a:r>
+          </a:p>
+        </p:txBody>
+      </p:sp>
+      <p:sp>
+        <p:nvSpPr>
+          <p:cNvPr id="4" name="TextBox 3"/>
+          <p:cNvSpPr txBox="1"/>
+          <p:nvPr/>
+        </p:nvSpPr>
+        <p:spPr>
+          <a:xfrm>
+            <a:off x="1463040" y="6035040"/>
+            <a:ext cx="11887200" cy="4572000"/>
+          </a:xfrm>
+          <a:prstGeom prst="rect">
+            <a:avLst/>
+          </a:prstGeom>
+          <a:noFill/>
+        </p:spPr>
+        <p:txBody>
+          <a:bodyPr wrap="square">
+            <a:spAutoFit/>
+          </a:bodyPr>
+          <a:lstStyle/>
+          <a:p>
+            <a:pPr algn="ctr"/>
+            <a:r>
+              <a:rPr sz="2500">
+                <a:latin typeface="Arial"/>
+              </a:rPr>
+              <a:t/>
+            </a:r>
+          </a:p>
+        </p:txBody>
+      </p:sp>
+      <p:sp>
+        <p:nvSpPr>
+          <p:cNvPr id="5" name="TextBox 4"/>
+          <p:cNvSpPr txBox="1"/>
+          <p:nvPr/>
+        </p:nvSpPr>
+        <p:spPr>
+          <a:xfrm>
+            <a:off x="13807440" y="7406640"/>
+            <a:ext cx="914400" cy="914400"/>
+          </a:xfrm>
+          <a:prstGeom prst="rect">
+            <a:avLst/>
+          </a:prstGeom>
+          <a:noFill/>
+        </p:spPr>
+        <p:txBody>
+          <a:bodyPr wrap="none">
+            <a:spAutoFit/>
+          </a:bodyPr>
+          <a:lstStyle/>
+          <a:p>
+            <a:r>
+              <a:rPr sz="2700">
+                <a:latin typeface="Arial"/>
+              </a:rPr>
+              <a:t>15</a:t>
+            </a:r>
+          </a:p>
+        </p:txBody>
+      </p:sp>
+      <p:pic>
+        <p:nvPicPr>
+          <p:cNvPr id="6" name="Picture 5" descr="rice_logo.png"/>
+          <p:cNvPicPr>
+            <a:picLocks noChangeAspect="1"/>
+          </p:cNvPicPr>
+          <p:nvPr/>
+        </p:nvPicPr>
+        <p:blipFill>
+          <a:blip r:embed="rId3"/>
           <a:stretch>
             <a:fillRect/>
           </a:stretch>
@@ -4366,9 +4391,104 @@
         <p:nvPr/>
       </p:nvGrpSpPr>
       <p:grpSpPr/>
+      <p:sp>
+        <p:nvSpPr>
+          <p:cNvPr id="2" name="TextBox 1"/>
+          <p:cNvSpPr txBox="1"/>
+          <p:nvPr/>
+        </p:nvSpPr>
+        <p:spPr>
+          <a:xfrm>
+            <a:off x="3017520" y="2240280"/>
+            <a:ext cx="8229600" cy="2743200"/>
+          </a:xfrm>
+          <a:prstGeom prst="rect">
+            <a:avLst/>
+          </a:prstGeom>
+          <a:noFill/>
+        </p:spPr>
+        <p:txBody>
+          <a:bodyPr wrap="square">
+            <a:spAutoFit/>
+          </a:bodyPr>
+          <a:lstStyle/>
+          <a:p>
+            <a:pPr algn="ctr"/>
+            <a:r>
+              <a:rPr sz="6000">
+                <a:latin typeface="Arial"/>
+              </a:rPr>
+              <a:t>Daily Covid-19 Deaths by Country</a:t>
+            </a:r>
+          </a:p>
+        </p:txBody>
+      </p:sp>
+      <p:sp>
+        <p:nvSpPr>
+          <p:cNvPr id="3" name="TextBox 2"/>
+          <p:cNvSpPr txBox="1"/>
+          <p:nvPr/>
+        </p:nvSpPr>
+        <p:spPr>
+          <a:xfrm>
+            <a:off x="3200400" y="4572000"/>
+            <a:ext cx="7680960" cy="2743200"/>
+          </a:xfrm>
+          <a:prstGeom prst="rect">
+            <a:avLst/>
+          </a:prstGeom>
+          <a:noFill/>
+        </p:spPr>
+        <p:txBody>
+          <a:bodyPr wrap="square">
+            <a:spAutoFit/>
+          </a:bodyPr>
+          <a:lstStyle/>
+          <a:p>
+            <a:pPr algn="ctr"/>
+            <a:r>
+              <a:rPr sz="3000">
+                <a:latin typeface="Arial"/>
+              </a:rPr>
+              <a:t>(USA, Canada, Mexico, UK, France, Germany, Japan, South Korea)</a:t>
+            </a:r>
+          </a:p>
+        </p:txBody>
+      </p:sp>
+      <p:sp>
+        <p:nvSpPr>
+          <p:cNvPr id="4" name="TextBox 3"/>
+          <p:cNvSpPr txBox="1"/>
+          <p:nvPr/>
+        </p:nvSpPr>
+        <p:spPr>
+          <a:xfrm>
+            <a:off x="13807440" y="7406640"/>
+            <a:ext cx="914400" cy="914400"/>
+          </a:xfrm>
+          <a:prstGeom prst="rect">
+            <a:avLst/>
+          </a:prstGeom>
+          <a:noFill/>
+        </p:spPr>
+        <p:txBody>
+          <a:bodyPr wrap="none">
+            <a:spAutoFit/>
+          </a:bodyPr>
+          <a:lstStyle/>
+          <a:p>
+            <a:r>
+              <a:rPr sz="2700">
+                <a:latin typeface="Arial"/>
+              </a:rPr>
+              <a:t>16</a:t>
+            </a:r>
+          </a:p>
+        </p:txBody>
+      </p:sp>
       <p:pic>
         <p:nvPicPr>
-          <p:cNvPr id="2" name="Picture 1" descr="newDeaths_UnitedStates.png"/>
+          <p:cNvPr id="5" name="Picture 4" descr="rice_logo.png"/>
           <p:cNvPicPr>
             <a:picLocks noChangeAspect="1"/>
           </p:cNvPicPr>
@@ -4376,125 +4496,6 @@
         </p:nvPicPr>
         <p:blipFill>
           <a:blip r:embed="rId2"/>
-          <a:stretch>
-            <a:fillRect/>
-          </a:stretch>
-        </p:blipFill>
-        <p:spPr>
-          <a:xfrm>
-            <a:off x="-731520" y="1828800"/>
-            <a:ext cx="16002000" cy="5334000"/>
-          </a:xfrm>
-          <a:prstGeom prst="rect">
-            <a:avLst/>
-          </a:prstGeom>
-        </p:spPr>
-      </p:pic>
-      <p:sp>
-        <p:nvSpPr>
-          <p:cNvPr id="3" name="TextBox 2"/>
-          <p:cNvSpPr txBox="1"/>
-          <p:nvPr/>
-        </p:nvSpPr>
-        <p:spPr>
-          <a:xfrm>
-            <a:off x="2103120" y="548640"/>
-            <a:ext cx="10058400" cy="2743200"/>
-          </a:xfrm>
-          <a:prstGeom prst="rect">
-            <a:avLst/>
-          </a:prstGeom>
-          <a:noFill/>
-        </p:spPr>
-        <p:txBody>
-          <a:bodyPr wrap="square">
-            <a:spAutoFit/>
-          </a:bodyPr>
-          <a:lstStyle/>
-          <a:p>
-            <a:pPr algn="ctr"/>
-            <a:r>
-              <a:rPr sz="3500">
-                <a:latin typeface="Arial"/>
-              </a:rPr>
-              <a:t>Daily Covid-19 Deaths in United States</a:t>
-            </a:r>
-          </a:p>
-        </p:txBody>
-      </p:sp>
-      <p:sp>
-        <p:nvSpPr>
-          <p:cNvPr id="4" name="TextBox 3"/>
-          <p:cNvSpPr txBox="1"/>
-          <p:nvPr/>
-        </p:nvSpPr>
-        <p:spPr>
-          <a:xfrm>
-            <a:off x="1463040" y="6035040"/>
-            <a:ext cx="11887200" cy="4572000"/>
-          </a:xfrm>
-          <a:prstGeom prst="rect">
-            <a:avLst/>
-          </a:prstGeom>
-          <a:noFill/>
-        </p:spPr>
-        <p:txBody>
-          <a:bodyPr wrap="square">
-            <a:spAutoFit/>
-          </a:bodyPr>
-          <a:lstStyle/>
-          <a:p>
-            <a:pPr algn="ctr"/>
-            <a:r>
-              <a:rPr sz="2500">
-                <a:latin typeface="Arial"/>
-              </a:rPr>
-              <a:t/>
-            </a:r>
-          </a:p>
-        </p:txBody>
-      </p:sp>
-      <p:sp>
-        <p:nvSpPr>
-          <p:cNvPr id="5" name="TextBox 4"/>
-          <p:cNvSpPr txBox="1"/>
-          <p:nvPr/>
-        </p:nvSpPr>
-        <p:spPr>
-          <a:xfrm>
-            <a:off x="13807440" y="7406640"/>
-            <a:ext cx="914400" cy="914400"/>
-          </a:xfrm>
-          <a:prstGeom prst="rect">
-            <a:avLst/>
-          </a:prstGeom>
-          <a:noFill/>
-        </p:spPr>
-        <p:txBody>
-          <a:bodyPr wrap="none">
-            <a:spAutoFit/>
-          </a:bodyPr>
-          <a:lstStyle/>
-          <a:p>
-            <a:r>
-              <a:rPr sz="2700">
-                <a:latin typeface="Arial"/>
-              </a:rPr>
-              <a:t>16</a:t>
-            </a:r>
-          </a:p>
-        </p:txBody>
-      </p:sp>
-      <p:pic>
-        <p:nvPicPr>
-          <p:cNvPr id="6" name="Picture 5" descr="rice_logo.png"/>
-          <p:cNvPicPr>
-            <a:picLocks noChangeAspect="1"/>
-          </p:cNvPicPr>
-          <p:nvPr/>
-        </p:nvPicPr>
-        <p:blipFill>
-          <a:blip r:embed="rId3"/>
           <a:stretch>
             <a:fillRect/>
           </a:stretch>
@@ -4529,7 +4530,7 @@
       <p:grpSpPr/>
       <p:pic>
         <p:nvPicPr>
-          <p:cNvPr id="2" name="Picture 1" descr="newDeaths_Canada.png"/>
+          <p:cNvPr id="2" name="Picture 1" descr="newDeaths_UnitedStates.png"/>
           <p:cNvPicPr>
             <a:picLocks noChangeAspect="1"/>
           </p:cNvPicPr>
@@ -4578,7 +4579,7 @@
               <a:rPr sz="3500">
                 <a:latin typeface="Arial"/>
               </a:rPr>
-              <a:t>Daily Covid-19 Deaths in Canada</a:t>
+              <a:t>Daily Covid-19 Deaths in United States</a:t>
             </a:r>
           </a:p>
         </p:txBody>
@@ -4690,7 +4691,7 @@
       <p:grpSpPr/>
       <p:pic>
         <p:nvPicPr>
-          <p:cNvPr id="2" name="Picture 1" descr="newDeaths_Mexico.png"/>
+          <p:cNvPr id="2" name="Picture 1" descr="newDeaths_Canada.png"/>
           <p:cNvPicPr>
             <a:picLocks noChangeAspect="1"/>
           </p:cNvPicPr>
@@ -4739,7 +4740,7 @@
               <a:rPr sz="3500">
                 <a:latin typeface="Arial"/>
               </a:rPr>
-              <a:t>Daily Covid-19 Deaths in Mexico</a:t>
+              <a:t>Daily Covid-19 Deaths in Canada</a:t>
             </a:r>
           </a:p>
         </p:txBody>
@@ -5180,7 +5181,7 @@
       <p:grpSpPr/>
       <p:pic>
         <p:nvPicPr>
-          <p:cNvPr id="2" name="Picture 1" descr="newDeaths_UnitedKingdom.png"/>
+          <p:cNvPr id="2" name="Picture 1" descr="newDeaths_Mexico.png"/>
           <p:cNvPicPr>
             <a:picLocks noChangeAspect="1"/>
           </p:cNvPicPr>
@@ -5229,7 +5230,7 @@
               <a:rPr sz="3500">
                 <a:latin typeface="Arial"/>
               </a:rPr>
-              <a:t>Daily Covid-19 Deaths in United Kingdom</a:t>
+              <a:t>Daily Covid-19 Deaths in Mexico</a:t>
             </a:r>
           </a:p>
         </p:txBody>
@@ -5341,7 +5342,7 @@
       <p:grpSpPr/>
       <p:pic>
         <p:nvPicPr>
-          <p:cNvPr id="2" name="Picture 1" descr="newDeaths_France.png"/>
+          <p:cNvPr id="2" name="Picture 1" descr="newDeaths_UnitedKingdom.png"/>
           <p:cNvPicPr>
             <a:picLocks noChangeAspect="1"/>
           </p:cNvPicPr>
@@ -5390,7 +5391,7 @@
               <a:rPr sz="3500">
                 <a:latin typeface="Arial"/>
               </a:rPr>
-              <a:t>Daily Covid-19 Deaths in France</a:t>
+              <a:t>Daily Covid-19 Deaths in United Kingdom</a:t>
             </a:r>
           </a:p>
         </p:txBody>
@@ -5502,7 +5503,7 @@
       <p:grpSpPr/>
       <p:pic>
         <p:nvPicPr>
-          <p:cNvPr id="2" name="Picture 1" descr="newDeaths_Germany.png"/>
+          <p:cNvPr id="2" name="Picture 1" descr="newDeaths_France.png"/>
           <p:cNvPicPr>
             <a:picLocks noChangeAspect="1"/>
           </p:cNvPicPr>
@@ -5551,7 +5552,7 @@
               <a:rPr sz="3500">
                 <a:latin typeface="Arial"/>
               </a:rPr>
-              <a:t>Daily Covid-19 Deaths in Germany</a:t>
+              <a:t>Daily Covid-19 Deaths in France</a:t>
             </a:r>
           </a:p>
         </p:txBody>
@@ -5663,7 +5664,7 @@
       <p:grpSpPr/>
       <p:pic>
         <p:nvPicPr>
-          <p:cNvPr id="2" name="Picture 1" descr="newDeaths_Japan.png"/>
+          <p:cNvPr id="2" name="Picture 1" descr="newDeaths_Germany.png"/>
           <p:cNvPicPr>
             <a:picLocks noChangeAspect="1"/>
           </p:cNvPicPr>
@@ -5712,7 +5713,7 @@
               <a:rPr sz="3500">
                 <a:latin typeface="Arial"/>
               </a:rPr>
-              <a:t>Daily Covid-19 Deaths in Japan</a:t>
+              <a:t>Daily Covid-19 Deaths in Germany</a:t>
             </a:r>
           </a:p>
         </p:txBody>
@@ -5824,7 +5825,7 @@
       <p:grpSpPr/>
       <p:pic>
         <p:nvPicPr>
-          <p:cNvPr id="2" name="Picture 1" descr="newDeaths_SouthKorea.png"/>
+          <p:cNvPr id="2" name="Picture 1" descr="newDeaths_Japan.png"/>
           <p:cNvPicPr>
             <a:picLocks noChangeAspect="1"/>
           </p:cNvPicPr>
@@ -5873,7 +5874,7 @@
               <a:rPr sz="3500">
                 <a:latin typeface="Arial"/>
               </a:rPr>
-              <a:t>Daily Covid-19 Deaths in South Korea</a:t>
+              <a:t>Daily Covid-19 Deaths in Japan</a:t>
             </a:r>
           </a:p>
         </p:txBody>
@@ -5983,104 +5984,9 @@
         <p:nvPr/>
       </p:nvGrpSpPr>
       <p:grpSpPr/>
-      <p:sp>
-        <p:nvSpPr>
-          <p:cNvPr id="2" name="TextBox 1"/>
-          <p:cNvSpPr txBox="1"/>
-          <p:nvPr/>
-        </p:nvSpPr>
-        <p:spPr>
-          <a:xfrm>
-            <a:off x="3017520" y="2240280"/>
-            <a:ext cx="8229600" cy="2743200"/>
-          </a:xfrm>
-          <a:prstGeom prst="rect">
-            <a:avLst/>
-          </a:prstGeom>
-          <a:noFill/>
-        </p:spPr>
-        <p:txBody>
-          <a:bodyPr wrap="square">
-            <a:spAutoFit/>
-          </a:bodyPr>
-          <a:lstStyle/>
-          <a:p>
-            <a:pPr algn="ctr"/>
-            <a:r>
-              <a:rPr sz="6000">
-                <a:latin typeface="Arial"/>
-              </a:rPr>
-              <a:t>Daily Covid-19 Cases by Continent</a:t>
-            </a:r>
-          </a:p>
-        </p:txBody>
-      </p:sp>
-      <p:sp>
-        <p:nvSpPr>
-          <p:cNvPr id="3" name="TextBox 2"/>
-          <p:cNvSpPr txBox="1"/>
-          <p:nvPr/>
-        </p:nvSpPr>
-        <p:spPr>
-          <a:xfrm>
-            <a:off x="3200400" y="4572000"/>
-            <a:ext cx="7680960" cy="2743200"/>
-          </a:xfrm>
-          <a:prstGeom prst="rect">
-            <a:avLst/>
-          </a:prstGeom>
-          <a:noFill/>
-        </p:spPr>
-        <p:txBody>
-          <a:bodyPr wrap="square">
-            <a:spAutoFit/>
-          </a:bodyPr>
-          <a:lstStyle/>
-          <a:p>
-            <a:pPr algn="ctr"/>
-            <a:r>
-              <a:rPr sz="3000">
-                <a:latin typeface="Arial"/>
-              </a:rPr>
-              <a:t>(Africa, Asia, Europe, North America, South America, Oceania)</a:t>
-            </a:r>
-          </a:p>
-        </p:txBody>
-      </p:sp>
-      <p:sp>
-        <p:nvSpPr>
-          <p:cNvPr id="4" name="TextBox 3"/>
-          <p:cNvSpPr txBox="1"/>
-          <p:nvPr/>
-        </p:nvSpPr>
-        <p:spPr>
-          <a:xfrm>
-            <a:off x="13807440" y="7406640"/>
-            <a:ext cx="914400" cy="914400"/>
-          </a:xfrm>
-          <a:prstGeom prst="rect">
-            <a:avLst/>
-          </a:prstGeom>
-          <a:noFill/>
-        </p:spPr>
-        <p:txBody>
-          <a:bodyPr wrap="none">
-            <a:spAutoFit/>
-          </a:bodyPr>
-          <a:lstStyle/>
-          <a:p>
-            <a:r>
-              <a:rPr sz="2700">
-                <a:latin typeface="Arial"/>
-              </a:rPr>
-              <a:t>24</a:t>
-            </a:r>
-          </a:p>
-        </p:txBody>
-      </p:sp>
       <p:pic>
         <p:nvPicPr>
-          <p:cNvPr id="5" name="Picture 4" descr="rice_logo.png"/>
+          <p:cNvPr id="2" name="Picture 1" descr="newDeaths_SouthKorea.png"/>
           <p:cNvPicPr>
             <a:picLocks noChangeAspect="1"/>
           </p:cNvPicPr>
@@ -6088,6 +5994,125 @@
         </p:nvPicPr>
         <p:blipFill>
           <a:blip r:embed="rId2"/>
+          <a:stretch>
+            <a:fillRect/>
+          </a:stretch>
+        </p:blipFill>
+        <p:spPr>
+          <a:xfrm>
+            <a:off x="-731520" y="1828800"/>
+            <a:ext cx="16002000" cy="5334000"/>
+          </a:xfrm>
+          <a:prstGeom prst="rect">
+            <a:avLst/>
+          </a:prstGeom>
+        </p:spPr>
+      </p:pic>
+      <p:sp>
+        <p:nvSpPr>
+          <p:cNvPr id="3" name="TextBox 2"/>
+          <p:cNvSpPr txBox="1"/>
+          <p:nvPr/>
+        </p:nvSpPr>
+        <p:spPr>
+          <a:xfrm>
+            <a:off x="2103120" y="548640"/>
+            <a:ext cx="10058400" cy="2743200"/>
+          </a:xfrm>
+          <a:prstGeom prst="rect">
+            <a:avLst/>
+          </a:prstGeom>
+          <a:noFill/>
+        </p:spPr>
+        <p:txBody>
+          <a:bodyPr wrap="square">
+            <a:spAutoFit/>
+          </a:bodyPr>
+          <a:lstStyle/>
+          <a:p>
+            <a:pPr algn="ctr"/>
+            <a:r>
+              <a:rPr sz="3500">
+                <a:latin typeface="Arial"/>
+              </a:rPr>
+              <a:t>Daily Covid-19 Deaths in South Korea</a:t>
+            </a:r>
+          </a:p>
+        </p:txBody>
+      </p:sp>
+      <p:sp>
+        <p:nvSpPr>
+          <p:cNvPr id="4" name="TextBox 3"/>
+          <p:cNvSpPr txBox="1"/>
+          <p:nvPr/>
+        </p:nvSpPr>
+        <p:spPr>
+          <a:xfrm>
+            <a:off x="1463040" y="6035040"/>
+            <a:ext cx="11887200" cy="4572000"/>
+          </a:xfrm>
+          <a:prstGeom prst="rect">
+            <a:avLst/>
+          </a:prstGeom>
+          <a:noFill/>
+        </p:spPr>
+        <p:txBody>
+          <a:bodyPr wrap="square">
+            <a:spAutoFit/>
+          </a:bodyPr>
+          <a:lstStyle/>
+          <a:p>
+            <a:pPr algn="ctr"/>
+            <a:r>
+              <a:rPr sz="2500">
+                <a:latin typeface="Arial"/>
+              </a:rPr>
+              <a:t/>
+            </a:r>
+          </a:p>
+        </p:txBody>
+      </p:sp>
+      <p:sp>
+        <p:nvSpPr>
+          <p:cNvPr id="5" name="TextBox 4"/>
+          <p:cNvSpPr txBox="1"/>
+          <p:nvPr/>
+        </p:nvSpPr>
+        <p:spPr>
+          <a:xfrm>
+            <a:off x="13807440" y="7406640"/>
+            <a:ext cx="914400" cy="914400"/>
+          </a:xfrm>
+          <a:prstGeom prst="rect">
+            <a:avLst/>
+          </a:prstGeom>
+          <a:noFill/>
+        </p:spPr>
+        <p:txBody>
+          <a:bodyPr wrap="none">
+            <a:spAutoFit/>
+          </a:bodyPr>
+          <a:lstStyle/>
+          <a:p>
+            <a:r>
+              <a:rPr sz="2700">
+                <a:latin typeface="Arial"/>
+              </a:rPr>
+              <a:t>24</a:t>
+            </a:r>
+          </a:p>
+        </p:txBody>
+      </p:sp>
+      <p:pic>
+        <p:nvPicPr>
+          <p:cNvPr id="6" name="Picture 5" descr="rice_logo.png"/>
+          <p:cNvPicPr>
+            <a:picLocks noChangeAspect="1"/>
+          </p:cNvPicPr>
+          <p:nvPr/>
+        </p:nvPicPr>
+        <p:blipFill>
+          <a:blip r:embed="rId3"/>
           <a:stretch>
             <a:fillRect/>
           </a:stretch>
@@ -6120,9 +6145,104 @@
         <p:nvPr/>
       </p:nvGrpSpPr>
       <p:grpSpPr/>
+      <p:sp>
+        <p:nvSpPr>
+          <p:cNvPr id="2" name="TextBox 1"/>
+          <p:cNvSpPr txBox="1"/>
+          <p:nvPr/>
+        </p:nvSpPr>
+        <p:spPr>
+          <a:xfrm>
+            <a:off x="3017520" y="2240280"/>
+            <a:ext cx="8229600" cy="2743200"/>
+          </a:xfrm>
+          <a:prstGeom prst="rect">
+            <a:avLst/>
+          </a:prstGeom>
+          <a:noFill/>
+        </p:spPr>
+        <p:txBody>
+          <a:bodyPr wrap="square">
+            <a:spAutoFit/>
+          </a:bodyPr>
+          <a:lstStyle/>
+          <a:p>
+            <a:pPr algn="ctr"/>
+            <a:r>
+              <a:rPr sz="6000">
+                <a:latin typeface="Arial"/>
+              </a:rPr>
+              <a:t>Daily Covid-19 Cases by Continent</a:t>
+            </a:r>
+          </a:p>
+        </p:txBody>
+      </p:sp>
+      <p:sp>
+        <p:nvSpPr>
+          <p:cNvPr id="3" name="TextBox 2"/>
+          <p:cNvSpPr txBox="1"/>
+          <p:nvPr/>
+        </p:nvSpPr>
+        <p:spPr>
+          <a:xfrm>
+            <a:off x="3200400" y="4572000"/>
+            <a:ext cx="7680960" cy="2743200"/>
+          </a:xfrm>
+          <a:prstGeom prst="rect">
+            <a:avLst/>
+          </a:prstGeom>
+          <a:noFill/>
+        </p:spPr>
+        <p:txBody>
+          <a:bodyPr wrap="square">
+            <a:spAutoFit/>
+          </a:bodyPr>
+          <a:lstStyle/>
+          <a:p>
+            <a:pPr algn="ctr"/>
+            <a:r>
+              <a:rPr sz="3000">
+                <a:latin typeface="Arial"/>
+              </a:rPr>
+              <a:t>(Africa, Asia, Europe, North America, South America, Oceania)</a:t>
+            </a:r>
+          </a:p>
+        </p:txBody>
+      </p:sp>
+      <p:sp>
+        <p:nvSpPr>
+          <p:cNvPr id="4" name="TextBox 3"/>
+          <p:cNvSpPr txBox="1"/>
+          <p:nvPr/>
+        </p:nvSpPr>
+        <p:spPr>
+          <a:xfrm>
+            <a:off x="13807440" y="7406640"/>
+            <a:ext cx="914400" cy="914400"/>
+          </a:xfrm>
+          <a:prstGeom prst="rect">
+            <a:avLst/>
+          </a:prstGeom>
+          <a:noFill/>
+        </p:spPr>
+        <p:txBody>
+          <a:bodyPr wrap="none">
+            <a:spAutoFit/>
+          </a:bodyPr>
+          <a:lstStyle/>
+          <a:p>
+            <a:r>
+              <a:rPr sz="2700">
+                <a:latin typeface="Arial"/>
+              </a:rPr>
+              <a:t>25</a:t>
+            </a:r>
+          </a:p>
+        </p:txBody>
+      </p:sp>
       <p:pic>
         <p:nvPicPr>
-          <p:cNvPr id="2" name="Picture 1" descr="newCases_Africa.png"/>
+          <p:cNvPr id="5" name="Picture 4" descr="rice_logo.png"/>
           <p:cNvPicPr>
             <a:picLocks noChangeAspect="1"/>
           </p:cNvPicPr>
@@ -6130,125 +6250,6 @@
         </p:nvPicPr>
         <p:blipFill>
           <a:blip r:embed="rId2"/>
-          <a:stretch>
-            <a:fillRect/>
-          </a:stretch>
-        </p:blipFill>
-        <p:spPr>
-          <a:xfrm>
-            <a:off x="-731520" y="1828800"/>
-            <a:ext cx="16002000" cy="5334000"/>
-          </a:xfrm>
-          <a:prstGeom prst="rect">
-            <a:avLst/>
-          </a:prstGeom>
-        </p:spPr>
-      </p:pic>
-      <p:sp>
-        <p:nvSpPr>
-          <p:cNvPr id="3" name="TextBox 2"/>
-          <p:cNvSpPr txBox="1"/>
-          <p:nvPr/>
-        </p:nvSpPr>
-        <p:spPr>
-          <a:xfrm>
-            <a:off x="2103120" y="548640"/>
-            <a:ext cx="10058400" cy="2743200"/>
-          </a:xfrm>
-          <a:prstGeom prst="rect">
-            <a:avLst/>
-          </a:prstGeom>
-          <a:noFill/>
-        </p:spPr>
-        <p:txBody>
-          <a:bodyPr wrap="square">
-            <a:spAutoFit/>
-          </a:bodyPr>
-          <a:lstStyle/>
-          <a:p>
-            <a:pPr algn="ctr"/>
-            <a:r>
-              <a:rPr sz="3500">
-                <a:latin typeface="Arial"/>
-              </a:rPr>
-              <a:t>Daily Covid-19 Cases in Africa</a:t>
-            </a:r>
-          </a:p>
-        </p:txBody>
-      </p:sp>
-      <p:sp>
-        <p:nvSpPr>
-          <p:cNvPr id="4" name="TextBox 3"/>
-          <p:cNvSpPr txBox="1"/>
-          <p:nvPr/>
-        </p:nvSpPr>
-        <p:spPr>
-          <a:xfrm>
-            <a:off x="1463040" y="6035040"/>
-            <a:ext cx="11887200" cy="4572000"/>
-          </a:xfrm>
-          <a:prstGeom prst="rect">
-            <a:avLst/>
-          </a:prstGeom>
-          <a:noFill/>
-        </p:spPr>
-        <p:txBody>
-          <a:bodyPr wrap="square">
-            <a:spAutoFit/>
-          </a:bodyPr>
-          <a:lstStyle/>
-          <a:p>
-            <a:pPr algn="ctr"/>
-            <a:r>
-              <a:rPr sz="2500">
-                <a:latin typeface="Arial"/>
-              </a:rPr>
-              <a:t/>
-            </a:r>
-          </a:p>
-        </p:txBody>
-      </p:sp>
-      <p:sp>
-        <p:nvSpPr>
-          <p:cNvPr id="5" name="TextBox 4"/>
-          <p:cNvSpPr txBox="1"/>
-          <p:nvPr/>
-        </p:nvSpPr>
-        <p:spPr>
-          <a:xfrm>
-            <a:off x="13807440" y="7406640"/>
-            <a:ext cx="914400" cy="914400"/>
-          </a:xfrm>
-          <a:prstGeom prst="rect">
-            <a:avLst/>
-          </a:prstGeom>
-          <a:noFill/>
-        </p:spPr>
-        <p:txBody>
-          <a:bodyPr wrap="none">
-            <a:spAutoFit/>
-          </a:bodyPr>
-          <a:lstStyle/>
-          <a:p>
-            <a:r>
-              <a:rPr sz="2700">
-                <a:latin typeface="Arial"/>
-              </a:rPr>
-              <a:t>25</a:t>
-            </a:r>
-          </a:p>
-        </p:txBody>
-      </p:sp>
-      <p:pic>
-        <p:nvPicPr>
-          <p:cNvPr id="6" name="Picture 5" descr="rice_logo.png"/>
-          <p:cNvPicPr>
-            <a:picLocks noChangeAspect="1"/>
-          </p:cNvPicPr>
-          <p:nvPr/>
-        </p:nvPicPr>
-        <p:blipFill>
-          <a:blip r:embed="rId3"/>
           <a:stretch>
             <a:fillRect/>
           </a:stretch>
@@ -6283,7 +6284,7 @@
       <p:grpSpPr/>
       <p:pic>
         <p:nvPicPr>
-          <p:cNvPr id="2" name="Picture 1" descr="newCases_Asia.png"/>
+          <p:cNvPr id="2" name="Picture 1" descr="newCases_Africa.png"/>
           <p:cNvPicPr>
             <a:picLocks noChangeAspect="1"/>
           </p:cNvPicPr>
@@ -6332,7 +6333,7 @@
               <a:rPr sz="3500">
                 <a:latin typeface="Arial"/>
               </a:rPr>
-              <a:t>Daily Covid-19 Cases in Asia</a:t>
+              <a:t>Daily Covid-19 Cases in Africa</a:t>
             </a:r>
           </a:p>
         </p:txBody>
@@ -6444,7 +6445,7 @@
       <p:grpSpPr/>
       <p:pic>
         <p:nvPicPr>
-          <p:cNvPr id="2" name="Picture 1" descr="newCases_Europe.png"/>
+          <p:cNvPr id="2" name="Picture 1" descr="newCases_Asia.png"/>
           <p:cNvPicPr>
             <a:picLocks noChangeAspect="1"/>
           </p:cNvPicPr>
@@ -6493,7 +6494,7 @@
               <a:rPr sz="3500">
                 <a:latin typeface="Arial"/>
               </a:rPr>
-              <a:t>Daily Covid-19 Cases in Europe</a:t>
+              <a:t>Daily Covid-19 Cases in Asia</a:t>
             </a:r>
           </a:p>
         </p:txBody>
@@ -6605,7 +6606,7 @@
       <p:grpSpPr/>
       <p:pic>
         <p:nvPicPr>
-          <p:cNvPr id="2" name="Picture 1" descr="newCases_NorthAmerica.png"/>
+          <p:cNvPr id="2" name="Picture 1" descr="newCases_Europe.png"/>
           <p:cNvPicPr>
             <a:picLocks noChangeAspect="1"/>
           </p:cNvPicPr>
@@ -6654,7 +6655,7 @@
               <a:rPr sz="3500">
                 <a:latin typeface="Arial"/>
               </a:rPr>
-              <a:t>Daily Covid-19 Cases in North America</a:t>
+              <a:t>Daily Covid-19 Cases in Europe</a:t>
             </a:r>
           </a:p>
         </p:txBody>
@@ -6927,7 +6928,7 @@
       <p:grpSpPr/>
       <p:pic>
         <p:nvPicPr>
-          <p:cNvPr id="2" name="Picture 1" descr="newCases_SouthAmerica.png"/>
+          <p:cNvPr id="2" name="Picture 1" descr="newCases_NorthAmerica.png"/>
           <p:cNvPicPr>
             <a:picLocks noChangeAspect="1"/>
           </p:cNvPicPr>
@@ -6976,7 +6977,7 @@
               <a:rPr sz="3500">
                 <a:latin typeface="Arial"/>
               </a:rPr>
-              <a:t>Daily Covid-19 Cases in South America</a:t>
+              <a:t>Daily Covid-19 Cases in North America</a:t>
             </a:r>
           </a:p>
         </p:txBody>
@@ -7088,7 +7089,7 @@
       <p:grpSpPr/>
       <p:pic>
         <p:nvPicPr>
-          <p:cNvPr id="2" name="Picture 1" descr="newCases_Oceania.png"/>
+          <p:cNvPr id="2" name="Picture 1" descr="newCases_SouthAmerica.png"/>
           <p:cNvPicPr>
             <a:picLocks noChangeAspect="1"/>
           </p:cNvPicPr>
@@ -7137,7 +7138,7 @@
               <a:rPr sz="3500">
                 <a:latin typeface="Arial"/>
               </a:rPr>
-              <a:t>Daily Covid-19 Cases in Oceania</a:t>
+              <a:t>Daily Covid-19 Cases in South America</a:t>
             </a:r>
           </a:p>
         </p:txBody>
@@ -7247,104 +7248,9 @@
         <p:nvPr/>
       </p:nvGrpSpPr>
       <p:grpSpPr/>
-      <p:sp>
-        <p:nvSpPr>
-          <p:cNvPr id="2" name="TextBox 1"/>
-          <p:cNvSpPr txBox="1"/>
-          <p:nvPr/>
-        </p:nvSpPr>
-        <p:spPr>
-          <a:xfrm>
-            <a:off x="3017520" y="2240280"/>
-            <a:ext cx="8229600" cy="2743200"/>
-          </a:xfrm>
-          <a:prstGeom prst="rect">
-            <a:avLst/>
-          </a:prstGeom>
-          <a:noFill/>
-        </p:spPr>
-        <p:txBody>
-          <a:bodyPr wrap="square">
-            <a:spAutoFit/>
-          </a:bodyPr>
-          <a:lstStyle/>
-          <a:p>
-            <a:pPr algn="ctr"/>
-            <a:r>
-              <a:rPr sz="6000">
-                <a:latin typeface="Arial"/>
-              </a:rPr>
-              <a:t>Daily Covid-19 Deaths by Continent</a:t>
-            </a:r>
-          </a:p>
-        </p:txBody>
-      </p:sp>
-      <p:sp>
-        <p:nvSpPr>
-          <p:cNvPr id="3" name="TextBox 2"/>
-          <p:cNvSpPr txBox="1"/>
-          <p:nvPr/>
-        </p:nvSpPr>
-        <p:spPr>
-          <a:xfrm>
-            <a:off x="3200400" y="4572000"/>
-            <a:ext cx="7680960" cy="2743200"/>
-          </a:xfrm>
-          <a:prstGeom prst="rect">
-            <a:avLst/>
-          </a:prstGeom>
-          <a:noFill/>
-        </p:spPr>
-        <p:txBody>
-          <a:bodyPr wrap="square">
-            <a:spAutoFit/>
-          </a:bodyPr>
-          <a:lstStyle/>
-          <a:p>
-            <a:pPr algn="ctr"/>
-            <a:r>
-              <a:rPr sz="3000">
-                <a:latin typeface="Arial"/>
-              </a:rPr>
-              <a:t>(Africa, Asia, Europe, North America, South America, Oceania)</a:t>
-            </a:r>
-          </a:p>
-        </p:txBody>
-      </p:sp>
-      <p:sp>
-        <p:nvSpPr>
-          <p:cNvPr id="4" name="TextBox 3"/>
-          <p:cNvSpPr txBox="1"/>
-          <p:nvPr/>
-        </p:nvSpPr>
-        <p:spPr>
-          <a:xfrm>
-            <a:off x="13807440" y="7406640"/>
-            <a:ext cx="914400" cy="914400"/>
-          </a:xfrm>
-          <a:prstGeom prst="rect">
-            <a:avLst/>
-          </a:prstGeom>
-          <a:noFill/>
-        </p:spPr>
-        <p:txBody>
-          <a:bodyPr wrap="none">
-            <a:spAutoFit/>
-          </a:bodyPr>
-          <a:lstStyle/>
-          <a:p>
-            <a:r>
-              <a:rPr sz="2700">
-                <a:latin typeface="Arial"/>
-              </a:rPr>
-              <a:t>31</a:t>
-            </a:r>
-          </a:p>
-        </p:txBody>
-      </p:sp>
       <p:pic>
         <p:nvPicPr>
-          <p:cNvPr id="5" name="Picture 4" descr="rice_logo.png"/>
+          <p:cNvPr id="2" name="Picture 1" descr="newCases_Oceania.png"/>
           <p:cNvPicPr>
             <a:picLocks noChangeAspect="1"/>
           </p:cNvPicPr>
@@ -7352,6 +7258,125 @@
         </p:nvPicPr>
         <p:blipFill>
           <a:blip r:embed="rId2"/>
+          <a:stretch>
+            <a:fillRect/>
+          </a:stretch>
+        </p:blipFill>
+        <p:spPr>
+          <a:xfrm>
+            <a:off x="-731520" y="1828800"/>
+            <a:ext cx="16002000" cy="5334000"/>
+          </a:xfrm>
+          <a:prstGeom prst="rect">
+            <a:avLst/>
+          </a:prstGeom>
+        </p:spPr>
+      </p:pic>
+      <p:sp>
+        <p:nvSpPr>
+          <p:cNvPr id="3" name="TextBox 2"/>
+          <p:cNvSpPr txBox="1"/>
+          <p:nvPr/>
+        </p:nvSpPr>
+        <p:spPr>
+          <a:xfrm>
+            <a:off x="2103120" y="548640"/>
+            <a:ext cx="10058400" cy="2743200"/>
+          </a:xfrm>
+          <a:prstGeom prst="rect">
+            <a:avLst/>
+          </a:prstGeom>
+          <a:noFill/>
+        </p:spPr>
+        <p:txBody>
+          <a:bodyPr wrap="square">
+            <a:spAutoFit/>
+          </a:bodyPr>
+          <a:lstStyle/>
+          <a:p>
+            <a:pPr algn="ctr"/>
+            <a:r>
+              <a:rPr sz="3500">
+                <a:latin typeface="Arial"/>
+              </a:rPr>
+              <a:t>Daily Covid-19 Cases in Oceania</a:t>
+            </a:r>
+          </a:p>
+        </p:txBody>
+      </p:sp>
+      <p:sp>
+        <p:nvSpPr>
+          <p:cNvPr id="4" name="TextBox 3"/>
+          <p:cNvSpPr txBox="1"/>
+          <p:nvPr/>
+        </p:nvSpPr>
+        <p:spPr>
+          <a:xfrm>
+            <a:off x="1463040" y="6035040"/>
+            <a:ext cx="11887200" cy="4572000"/>
+          </a:xfrm>
+          <a:prstGeom prst="rect">
+            <a:avLst/>
+          </a:prstGeom>
+          <a:noFill/>
+        </p:spPr>
+        <p:txBody>
+          <a:bodyPr wrap="square">
+            <a:spAutoFit/>
+          </a:bodyPr>
+          <a:lstStyle/>
+          <a:p>
+            <a:pPr algn="ctr"/>
+            <a:r>
+              <a:rPr sz="2500">
+                <a:latin typeface="Arial"/>
+              </a:rPr>
+              <a:t/>
+            </a:r>
+          </a:p>
+        </p:txBody>
+      </p:sp>
+      <p:sp>
+        <p:nvSpPr>
+          <p:cNvPr id="5" name="TextBox 4"/>
+          <p:cNvSpPr txBox="1"/>
+          <p:nvPr/>
+        </p:nvSpPr>
+        <p:spPr>
+          <a:xfrm>
+            <a:off x="13807440" y="7406640"/>
+            <a:ext cx="914400" cy="914400"/>
+          </a:xfrm>
+          <a:prstGeom prst="rect">
+            <a:avLst/>
+          </a:prstGeom>
+          <a:noFill/>
+        </p:spPr>
+        <p:txBody>
+          <a:bodyPr wrap="none">
+            <a:spAutoFit/>
+          </a:bodyPr>
+          <a:lstStyle/>
+          <a:p>
+            <a:r>
+              <a:rPr sz="2700">
+                <a:latin typeface="Arial"/>
+              </a:rPr>
+              <a:t>31</a:t>
+            </a:r>
+          </a:p>
+        </p:txBody>
+      </p:sp>
+      <p:pic>
+        <p:nvPicPr>
+          <p:cNvPr id="6" name="Picture 5" descr="rice_logo.png"/>
+          <p:cNvPicPr>
+            <a:picLocks noChangeAspect="1"/>
+          </p:cNvPicPr>
+          <p:nvPr/>
+        </p:nvPicPr>
+        <p:blipFill>
+          <a:blip r:embed="rId3"/>
           <a:stretch>
             <a:fillRect/>
           </a:stretch>
@@ -7384,9 +7409,104 @@
         <p:nvPr/>
       </p:nvGrpSpPr>
       <p:grpSpPr/>
+      <p:sp>
+        <p:nvSpPr>
+          <p:cNvPr id="2" name="TextBox 1"/>
+          <p:cNvSpPr txBox="1"/>
+          <p:nvPr/>
+        </p:nvSpPr>
+        <p:spPr>
+          <a:xfrm>
+            <a:off x="3017520" y="2240280"/>
+            <a:ext cx="8229600" cy="2743200"/>
+          </a:xfrm>
+          <a:prstGeom prst="rect">
+            <a:avLst/>
+          </a:prstGeom>
+          <a:noFill/>
+        </p:spPr>
+        <p:txBody>
+          <a:bodyPr wrap="square">
+            <a:spAutoFit/>
+          </a:bodyPr>
+          <a:lstStyle/>
+          <a:p>
+            <a:pPr algn="ctr"/>
+            <a:r>
+              <a:rPr sz="6000">
+                <a:latin typeface="Arial"/>
+              </a:rPr>
+              <a:t>Daily Covid-19 Deaths by Continent</a:t>
+            </a:r>
+          </a:p>
+        </p:txBody>
+      </p:sp>
+      <p:sp>
+        <p:nvSpPr>
+          <p:cNvPr id="3" name="TextBox 2"/>
+          <p:cNvSpPr txBox="1"/>
+          <p:nvPr/>
+        </p:nvSpPr>
+        <p:spPr>
+          <a:xfrm>
+            <a:off x="3200400" y="4572000"/>
+            <a:ext cx="7680960" cy="2743200"/>
+          </a:xfrm>
+          <a:prstGeom prst="rect">
+            <a:avLst/>
+          </a:prstGeom>
+          <a:noFill/>
+        </p:spPr>
+        <p:txBody>
+          <a:bodyPr wrap="square">
+            <a:spAutoFit/>
+          </a:bodyPr>
+          <a:lstStyle/>
+          <a:p>
+            <a:pPr algn="ctr"/>
+            <a:r>
+              <a:rPr sz="3000">
+                <a:latin typeface="Arial"/>
+              </a:rPr>
+              <a:t>(Africa, Asia, Europe, North America, South America, Oceania)</a:t>
+            </a:r>
+          </a:p>
+        </p:txBody>
+      </p:sp>
+      <p:sp>
+        <p:nvSpPr>
+          <p:cNvPr id="4" name="TextBox 3"/>
+          <p:cNvSpPr txBox="1"/>
+          <p:nvPr/>
+        </p:nvSpPr>
+        <p:spPr>
+          <a:xfrm>
+            <a:off x="13807440" y="7406640"/>
+            <a:ext cx="914400" cy="914400"/>
+          </a:xfrm>
+          <a:prstGeom prst="rect">
+            <a:avLst/>
+          </a:prstGeom>
+          <a:noFill/>
+        </p:spPr>
+        <p:txBody>
+          <a:bodyPr wrap="none">
+            <a:spAutoFit/>
+          </a:bodyPr>
+          <a:lstStyle/>
+          <a:p>
+            <a:r>
+              <a:rPr sz="2700">
+                <a:latin typeface="Arial"/>
+              </a:rPr>
+              <a:t>32</a:t>
+            </a:r>
+          </a:p>
+        </p:txBody>
+      </p:sp>
       <p:pic>
         <p:nvPicPr>
-          <p:cNvPr id="2" name="Picture 1" descr="newDeaths_Africa.png"/>
+          <p:cNvPr id="5" name="Picture 4" descr="rice_logo.png"/>
           <p:cNvPicPr>
             <a:picLocks noChangeAspect="1"/>
           </p:cNvPicPr>
@@ -7394,125 +7514,6 @@
         </p:nvPicPr>
         <p:blipFill>
           <a:blip r:embed="rId2"/>
-          <a:stretch>
-            <a:fillRect/>
-          </a:stretch>
-        </p:blipFill>
-        <p:spPr>
-          <a:xfrm>
-            <a:off x="-731520" y="1828800"/>
-            <a:ext cx="16002000" cy="5334000"/>
-          </a:xfrm>
-          <a:prstGeom prst="rect">
-            <a:avLst/>
-          </a:prstGeom>
-        </p:spPr>
-      </p:pic>
-      <p:sp>
-        <p:nvSpPr>
-          <p:cNvPr id="3" name="TextBox 2"/>
-          <p:cNvSpPr txBox="1"/>
-          <p:nvPr/>
-        </p:nvSpPr>
-        <p:spPr>
-          <a:xfrm>
-            <a:off x="2103120" y="548640"/>
-            <a:ext cx="10058400" cy="2743200"/>
-          </a:xfrm>
-          <a:prstGeom prst="rect">
-            <a:avLst/>
-          </a:prstGeom>
-          <a:noFill/>
-        </p:spPr>
-        <p:txBody>
-          <a:bodyPr wrap="square">
-            <a:spAutoFit/>
-          </a:bodyPr>
-          <a:lstStyle/>
-          <a:p>
-            <a:pPr algn="ctr"/>
-            <a:r>
-              <a:rPr sz="3500">
-                <a:latin typeface="Arial"/>
-              </a:rPr>
-              <a:t>Daily Covid-19 Deaths in Africa</a:t>
-            </a:r>
-          </a:p>
-        </p:txBody>
-      </p:sp>
-      <p:sp>
-        <p:nvSpPr>
-          <p:cNvPr id="4" name="TextBox 3"/>
-          <p:cNvSpPr txBox="1"/>
-          <p:nvPr/>
-        </p:nvSpPr>
-        <p:spPr>
-          <a:xfrm>
-            <a:off x="1463040" y="6035040"/>
-            <a:ext cx="11887200" cy="4572000"/>
-          </a:xfrm>
-          <a:prstGeom prst="rect">
-            <a:avLst/>
-          </a:prstGeom>
-          <a:noFill/>
-        </p:spPr>
-        <p:txBody>
-          <a:bodyPr wrap="square">
-            <a:spAutoFit/>
-          </a:bodyPr>
-          <a:lstStyle/>
-          <a:p>
-            <a:pPr algn="ctr"/>
-            <a:r>
-              <a:rPr sz="2500">
-                <a:latin typeface="Arial"/>
-              </a:rPr>
-              <a:t/>
-            </a:r>
-          </a:p>
-        </p:txBody>
-      </p:sp>
-      <p:sp>
-        <p:nvSpPr>
-          <p:cNvPr id="5" name="TextBox 4"/>
-          <p:cNvSpPr txBox="1"/>
-          <p:nvPr/>
-        </p:nvSpPr>
-        <p:spPr>
-          <a:xfrm>
-            <a:off x="13807440" y="7406640"/>
-            <a:ext cx="914400" cy="914400"/>
-          </a:xfrm>
-          <a:prstGeom prst="rect">
-            <a:avLst/>
-          </a:prstGeom>
-          <a:noFill/>
-        </p:spPr>
-        <p:txBody>
-          <a:bodyPr wrap="none">
-            <a:spAutoFit/>
-          </a:bodyPr>
-          <a:lstStyle/>
-          <a:p>
-            <a:r>
-              <a:rPr sz="2700">
-                <a:latin typeface="Arial"/>
-              </a:rPr>
-              <a:t>32</a:t>
-            </a:r>
-          </a:p>
-        </p:txBody>
-      </p:sp>
-      <p:pic>
-        <p:nvPicPr>
-          <p:cNvPr id="6" name="Picture 5" descr="rice_logo.png"/>
-          <p:cNvPicPr>
-            <a:picLocks noChangeAspect="1"/>
-          </p:cNvPicPr>
-          <p:nvPr/>
-        </p:nvPicPr>
-        <p:blipFill>
-          <a:blip r:embed="rId3"/>
           <a:stretch>
             <a:fillRect/>
           </a:stretch>
@@ -7547,7 +7548,7 @@
       <p:grpSpPr/>
       <p:pic>
         <p:nvPicPr>
-          <p:cNvPr id="2" name="Picture 1" descr="newDeaths_Asia.png"/>
+          <p:cNvPr id="2" name="Picture 1" descr="newDeaths_Africa.png"/>
           <p:cNvPicPr>
             <a:picLocks noChangeAspect="1"/>
           </p:cNvPicPr>
@@ -7596,7 +7597,7 @@
               <a:rPr sz="3500">
                 <a:latin typeface="Arial"/>
               </a:rPr>
-              <a:t>Daily Covid-19 Deaths in Asia</a:t>
+              <a:t>Daily Covid-19 Deaths in Africa</a:t>
             </a:r>
           </a:p>
         </p:txBody>
@@ -7708,7 +7709,7 @@
       <p:grpSpPr/>
       <p:pic>
         <p:nvPicPr>
-          <p:cNvPr id="2" name="Picture 1" descr="newDeaths_Europe.png"/>
+          <p:cNvPr id="2" name="Picture 1" descr="newDeaths_Asia.png"/>
           <p:cNvPicPr>
             <a:picLocks noChangeAspect="1"/>
           </p:cNvPicPr>
@@ -7757,7 +7758,7 @@
               <a:rPr sz="3500">
                 <a:latin typeface="Arial"/>
               </a:rPr>
-              <a:t>Daily Covid-19 Deaths in Europe</a:t>
+              <a:t>Daily Covid-19 Deaths in Asia</a:t>
             </a:r>
           </a:p>
         </p:txBody>
@@ -7869,7 +7870,7 @@
       <p:grpSpPr/>
       <p:pic>
         <p:nvPicPr>
-          <p:cNvPr id="2" name="Picture 1" descr="newDeaths_NorthAmerica.png"/>
+          <p:cNvPr id="2" name="Picture 1" descr="newDeaths_Europe.png"/>
           <p:cNvPicPr>
             <a:picLocks noChangeAspect="1"/>
           </p:cNvPicPr>
@@ -7918,7 +7919,7 @@
               <a:rPr sz="3500">
                 <a:latin typeface="Arial"/>
               </a:rPr>
-              <a:t>Daily Covid-19 Deaths in North America</a:t>
+              <a:t>Daily Covid-19 Deaths in Europe</a:t>
             </a:r>
           </a:p>
         </p:txBody>
@@ -8030,7 +8031,7 @@
       <p:grpSpPr/>
       <p:pic>
         <p:nvPicPr>
-          <p:cNvPr id="2" name="Picture 1" descr="newDeaths_SouthAmerica.png"/>
+          <p:cNvPr id="2" name="Picture 1" descr="newDeaths_NorthAmerica.png"/>
           <p:cNvPicPr>
             <a:picLocks noChangeAspect="1"/>
           </p:cNvPicPr>
@@ -8079,7 +8080,7 @@
               <a:rPr sz="3500">
                 <a:latin typeface="Arial"/>
               </a:rPr>
-              <a:t>Daily Covid-19 Deaths in South America</a:t>
+              <a:t>Daily Covid-19 Deaths in North America</a:t>
             </a:r>
           </a:p>
         </p:txBody>
@@ -8191,7 +8192,7 @@
       <p:grpSpPr/>
       <p:pic>
         <p:nvPicPr>
-          <p:cNvPr id="2" name="Picture 1" descr="newDeaths_Oceania.png"/>
+          <p:cNvPr id="2" name="Picture 1" descr="newDeaths_SouthAmerica.png"/>
           <p:cNvPicPr>
             <a:picLocks noChangeAspect="1"/>
           </p:cNvPicPr>
@@ -8240,7 +8241,7 @@
               <a:rPr sz="3500">
                 <a:latin typeface="Arial"/>
               </a:rPr>
-              <a:t>Daily Covid-19 Deaths in Oceania</a:t>
+              <a:t>Daily Covid-19 Deaths in South America</a:t>
             </a:r>
           </a:p>
         </p:txBody>
@@ -8304,6 +8305,167 @@
                 <a:latin typeface="Arial"/>
               </a:rPr>
               <a:t>37</a:t>
+            </a:r>
+          </a:p>
+        </p:txBody>
+      </p:sp>
+      <p:pic>
+        <p:nvPicPr>
+          <p:cNvPr id="6" name="Picture 5" descr="rice_logo.png"/>
+          <p:cNvPicPr>
+            <a:picLocks noChangeAspect="1"/>
+          </p:cNvPicPr>
+          <p:nvPr/>
+        </p:nvPicPr>
+        <p:blipFill>
+          <a:blip r:embed="rId3"/>
+          <a:stretch>
+            <a:fillRect/>
+          </a:stretch>
+        </p:blipFill>
+        <p:spPr>
+          <a:xfrm>
+            <a:off x="274320" y="182880"/>
+            <a:ext cx="1085850" cy="1285875"/>
+          </a:xfrm>
+          <a:prstGeom prst="rect">
+            <a:avLst/>
+          </a:prstGeom>
+        </p:spPr>
+      </p:pic>
+    </p:spTree>
+  </p:cSld>
+  <p:clrMapOvr>
+    <a:masterClrMapping/>
+  </p:clrMapOvr>
+</p:sld>
+</file>
+
+<file path=ppt/slides/slide39.xml><?xml version="1.0" encoding="utf-8"?>
+<p:sld xmlns:a="http://schemas.openxmlformats.org/drawingml/2006/main" xmlns:p="http://schemas.openxmlformats.org/presentationml/2006/main" xmlns:r="http://schemas.openxmlformats.org/officeDocument/2006/relationships">
+  <p:cSld>
+    <p:spTree>
+      <p:nvGrpSpPr>
+        <p:cNvPr id="1" name=""/>
+        <p:cNvGrpSpPr/>
+        <p:nvPr/>
+      </p:nvGrpSpPr>
+      <p:grpSpPr/>
+      <p:pic>
+        <p:nvPicPr>
+          <p:cNvPr id="2" name="Picture 1" descr="newDeaths_Oceania.png"/>
+          <p:cNvPicPr>
+            <a:picLocks noChangeAspect="1"/>
+          </p:cNvPicPr>
+          <p:nvPr/>
+        </p:nvPicPr>
+        <p:blipFill>
+          <a:blip r:embed="rId2"/>
+          <a:stretch>
+            <a:fillRect/>
+          </a:stretch>
+        </p:blipFill>
+        <p:spPr>
+          <a:xfrm>
+            <a:off x="-731520" y="1828800"/>
+            <a:ext cx="16002000" cy="5334000"/>
+          </a:xfrm>
+          <a:prstGeom prst="rect">
+            <a:avLst/>
+          </a:prstGeom>
+        </p:spPr>
+      </p:pic>
+      <p:sp>
+        <p:nvSpPr>
+          <p:cNvPr id="3" name="TextBox 2"/>
+          <p:cNvSpPr txBox="1"/>
+          <p:nvPr/>
+        </p:nvSpPr>
+        <p:spPr>
+          <a:xfrm>
+            <a:off x="2103120" y="548640"/>
+            <a:ext cx="10058400" cy="2743200"/>
+          </a:xfrm>
+          <a:prstGeom prst="rect">
+            <a:avLst/>
+          </a:prstGeom>
+          <a:noFill/>
+        </p:spPr>
+        <p:txBody>
+          <a:bodyPr wrap="square">
+            <a:spAutoFit/>
+          </a:bodyPr>
+          <a:lstStyle/>
+          <a:p>
+            <a:pPr algn="ctr"/>
+            <a:r>
+              <a:rPr sz="3500">
+                <a:latin typeface="Arial"/>
+              </a:rPr>
+              <a:t>Daily Covid-19 Deaths in Oceania</a:t>
+            </a:r>
+          </a:p>
+        </p:txBody>
+      </p:sp>
+      <p:sp>
+        <p:nvSpPr>
+          <p:cNvPr id="4" name="TextBox 3"/>
+          <p:cNvSpPr txBox="1"/>
+          <p:nvPr/>
+        </p:nvSpPr>
+        <p:spPr>
+          <a:xfrm>
+            <a:off x="1463040" y="6035040"/>
+            <a:ext cx="11887200" cy="4572000"/>
+          </a:xfrm>
+          <a:prstGeom prst="rect">
+            <a:avLst/>
+          </a:prstGeom>
+          <a:noFill/>
+        </p:spPr>
+        <p:txBody>
+          <a:bodyPr wrap="square">
+            <a:spAutoFit/>
+          </a:bodyPr>
+          <a:lstStyle/>
+          <a:p>
+            <a:pPr algn="ctr"/>
+            <a:r>
+              <a:rPr sz="2500">
+                <a:latin typeface="Arial"/>
+              </a:rPr>
+              <a:t/>
+            </a:r>
+          </a:p>
+        </p:txBody>
+      </p:sp>
+      <p:sp>
+        <p:nvSpPr>
+          <p:cNvPr id="5" name="TextBox 4"/>
+          <p:cNvSpPr txBox="1"/>
+          <p:nvPr/>
+        </p:nvSpPr>
+        <p:spPr>
+          <a:xfrm>
+            <a:off x="13807440" y="7406640"/>
+            <a:ext cx="914400" cy="914400"/>
+          </a:xfrm>
+          <a:prstGeom prst="rect">
+            <a:avLst/>
+          </a:prstGeom>
+          <a:noFill/>
+        </p:spPr>
+        <p:txBody>
+          <a:bodyPr wrap="none">
+            <a:spAutoFit/>
+          </a:bodyPr>
+          <a:lstStyle/>
+          <a:p>
+            <a:r>
+              <a:rPr sz="2700">
+                <a:latin typeface="Arial"/>
+              </a:rPr>
+              <a:t>38</a:t>
             </a:r>
           </a:p>
         </p:txBody>
@@ -8513,7 +8675,7 @@
       <p:grpSpPr/>
       <p:pic>
         <p:nvPicPr>
-          <p:cNvPr id="2" name="Picture 1" descr="newCases_World.png"/>
+          <p:cNvPr id="2" name="Picture 1" descr="casesOverPopulation.png"/>
           <p:cNvPicPr>
             <a:picLocks noChangeAspect="1"/>
           </p:cNvPicPr>
@@ -8562,7 +8724,7 @@
               <a:rPr sz="3500">
                 <a:latin typeface="Arial"/>
               </a:rPr>
-              <a:t>Daily Global Covid-19 Cases</a:t>
+              <a:t>Total Covid-19 Deaths by Continent</a:t>
             </a:r>
           </a:p>
         </p:txBody>
@@ -8594,7 +8756,7 @@
               <a:rPr sz="2500">
                 <a:latin typeface="Arial"/>
               </a:rPr>
-              <a:t/>
+              <a:t>Percentage of population testing positive for Covid-19</a:t>
             </a:r>
           </a:p>
         </p:txBody>
@@ -8674,7 +8836,7 @@
       <p:grpSpPr/>
       <p:pic>
         <p:nvPicPr>
-          <p:cNvPr id="2" name="Picture 1" descr="newDeaths_World.png"/>
+          <p:cNvPr id="2" name="Picture 1" descr="newCases_World.png"/>
           <p:cNvPicPr>
             <a:picLocks noChangeAspect="1"/>
           </p:cNvPicPr>
@@ -8723,7 +8885,7 @@
               <a:rPr sz="3500">
                 <a:latin typeface="Arial"/>
               </a:rPr>
-              <a:t>Daily Global Covid-19 Deaths</a:t>
+              <a:t>Daily Global Covid-19 Cases</a:t>
             </a:r>
           </a:p>
         </p:txBody>
@@ -8833,104 +8995,9 @@
         <p:nvPr/>
       </p:nvGrpSpPr>
       <p:grpSpPr/>
-      <p:sp>
-        <p:nvSpPr>
-          <p:cNvPr id="2" name="TextBox 1"/>
-          <p:cNvSpPr txBox="1"/>
-          <p:nvPr/>
-        </p:nvSpPr>
-        <p:spPr>
-          <a:xfrm>
-            <a:off x="3017520" y="2240280"/>
-            <a:ext cx="8229600" cy="2743200"/>
-          </a:xfrm>
-          <a:prstGeom prst="rect">
-            <a:avLst/>
-          </a:prstGeom>
-          <a:noFill/>
-        </p:spPr>
-        <p:txBody>
-          <a:bodyPr wrap="square">
-            <a:spAutoFit/>
-          </a:bodyPr>
-          <a:lstStyle/>
-          <a:p>
-            <a:pPr algn="ctr"/>
-            <a:r>
-              <a:rPr sz="6000">
-                <a:latin typeface="Arial"/>
-              </a:rPr>
-              <a:t>Daily Covid-19 Cases by Country</a:t>
-            </a:r>
-          </a:p>
-        </p:txBody>
-      </p:sp>
-      <p:sp>
-        <p:nvSpPr>
-          <p:cNvPr id="3" name="TextBox 2"/>
-          <p:cNvSpPr txBox="1"/>
-          <p:nvPr/>
-        </p:nvSpPr>
-        <p:spPr>
-          <a:xfrm>
-            <a:off x="3200400" y="4572000"/>
-            <a:ext cx="7680960" cy="2743200"/>
-          </a:xfrm>
-          <a:prstGeom prst="rect">
-            <a:avLst/>
-          </a:prstGeom>
-          <a:noFill/>
-        </p:spPr>
-        <p:txBody>
-          <a:bodyPr wrap="square">
-            <a:spAutoFit/>
-          </a:bodyPr>
-          <a:lstStyle/>
-          <a:p>
-            <a:pPr algn="ctr"/>
-            <a:r>
-              <a:rPr sz="3000">
-                <a:latin typeface="Arial"/>
-              </a:rPr>
-              <a:t>(USA, Canada, Mexico, UK, France, Germany, Japan, South Korea)</a:t>
-            </a:r>
-          </a:p>
-        </p:txBody>
-      </p:sp>
-      <p:sp>
-        <p:nvSpPr>
-          <p:cNvPr id="4" name="TextBox 3"/>
-          <p:cNvSpPr txBox="1"/>
-          <p:nvPr/>
-        </p:nvSpPr>
-        <p:spPr>
-          <a:xfrm>
-            <a:off x="13807440" y="7406640"/>
-            <a:ext cx="914400" cy="914400"/>
-          </a:xfrm>
-          <a:prstGeom prst="rect">
-            <a:avLst/>
-          </a:prstGeom>
-          <a:noFill/>
-        </p:spPr>
-        <p:txBody>
-          <a:bodyPr wrap="none">
-            <a:spAutoFit/>
-          </a:bodyPr>
-          <a:lstStyle/>
-          <a:p>
-            <a:r>
-              <a:rPr sz="2700">
-                <a:latin typeface="Arial"/>
-              </a:rPr>
-              <a:t>6</a:t>
-            </a:r>
-          </a:p>
-        </p:txBody>
-      </p:sp>
       <p:pic>
         <p:nvPicPr>
-          <p:cNvPr id="5" name="Picture 4" descr="rice_logo.png"/>
+          <p:cNvPr id="2" name="Picture 1" descr="newDeaths_World.png"/>
           <p:cNvPicPr>
             <a:picLocks noChangeAspect="1"/>
           </p:cNvPicPr>
@@ -8938,6 +9005,125 @@
         </p:nvPicPr>
         <p:blipFill>
           <a:blip r:embed="rId2"/>
+          <a:stretch>
+            <a:fillRect/>
+          </a:stretch>
+        </p:blipFill>
+        <p:spPr>
+          <a:xfrm>
+            <a:off x="-731520" y="1828800"/>
+            <a:ext cx="16002000" cy="5334000"/>
+          </a:xfrm>
+          <a:prstGeom prst="rect">
+            <a:avLst/>
+          </a:prstGeom>
+        </p:spPr>
+      </p:pic>
+      <p:sp>
+        <p:nvSpPr>
+          <p:cNvPr id="3" name="TextBox 2"/>
+          <p:cNvSpPr txBox="1"/>
+          <p:nvPr/>
+        </p:nvSpPr>
+        <p:spPr>
+          <a:xfrm>
+            <a:off x="2103120" y="548640"/>
+            <a:ext cx="10058400" cy="2743200"/>
+          </a:xfrm>
+          <a:prstGeom prst="rect">
+            <a:avLst/>
+          </a:prstGeom>
+          <a:noFill/>
+        </p:spPr>
+        <p:txBody>
+          <a:bodyPr wrap="square">
+            <a:spAutoFit/>
+          </a:bodyPr>
+          <a:lstStyle/>
+          <a:p>
+            <a:pPr algn="ctr"/>
+            <a:r>
+              <a:rPr sz="3500">
+                <a:latin typeface="Arial"/>
+              </a:rPr>
+              <a:t>Daily Global Covid-19 Deaths</a:t>
+            </a:r>
+          </a:p>
+        </p:txBody>
+      </p:sp>
+      <p:sp>
+        <p:nvSpPr>
+          <p:cNvPr id="4" name="TextBox 3"/>
+          <p:cNvSpPr txBox="1"/>
+          <p:nvPr/>
+        </p:nvSpPr>
+        <p:spPr>
+          <a:xfrm>
+            <a:off x="1463040" y="6035040"/>
+            <a:ext cx="11887200" cy="4572000"/>
+          </a:xfrm>
+          <a:prstGeom prst="rect">
+            <a:avLst/>
+          </a:prstGeom>
+          <a:noFill/>
+        </p:spPr>
+        <p:txBody>
+          <a:bodyPr wrap="square">
+            <a:spAutoFit/>
+          </a:bodyPr>
+          <a:lstStyle/>
+          <a:p>
+            <a:pPr algn="ctr"/>
+            <a:r>
+              <a:rPr sz="2500">
+                <a:latin typeface="Arial"/>
+              </a:rPr>
+              <a:t/>
+            </a:r>
+          </a:p>
+        </p:txBody>
+      </p:sp>
+      <p:sp>
+        <p:nvSpPr>
+          <p:cNvPr id="5" name="TextBox 4"/>
+          <p:cNvSpPr txBox="1"/>
+          <p:nvPr/>
+        </p:nvSpPr>
+        <p:spPr>
+          <a:xfrm>
+            <a:off x="13807440" y="7406640"/>
+            <a:ext cx="914400" cy="914400"/>
+          </a:xfrm>
+          <a:prstGeom prst="rect">
+            <a:avLst/>
+          </a:prstGeom>
+          <a:noFill/>
+        </p:spPr>
+        <p:txBody>
+          <a:bodyPr wrap="none">
+            <a:spAutoFit/>
+          </a:bodyPr>
+          <a:lstStyle/>
+          <a:p>
+            <a:r>
+              <a:rPr sz="2700">
+                <a:latin typeface="Arial"/>
+              </a:rPr>
+              <a:t>6</a:t>
+            </a:r>
+          </a:p>
+        </p:txBody>
+      </p:sp>
+      <p:pic>
+        <p:nvPicPr>
+          <p:cNvPr id="6" name="Picture 5" descr="rice_logo.png"/>
+          <p:cNvPicPr>
+            <a:picLocks noChangeAspect="1"/>
+          </p:cNvPicPr>
+          <p:nvPr/>
+        </p:nvPicPr>
+        <p:blipFill>
+          <a:blip r:embed="rId3"/>
           <a:stretch>
             <a:fillRect/>
           </a:stretch>
@@ -8970,9 +9156,104 @@
         <p:nvPr/>
       </p:nvGrpSpPr>
       <p:grpSpPr/>
+      <p:sp>
+        <p:nvSpPr>
+          <p:cNvPr id="2" name="TextBox 1"/>
+          <p:cNvSpPr txBox="1"/>
+          <p:nvPr/>
+        </p:nvSpPr>
+        <p:spPr>
+          <a:xfrm>
+            <a:off x="3017520" y="2240280"/>
+            <a:ext cx="8229600" cy="2743200"/>
+          </a:xfrm>
+          <a:prstGeom prst="rect">
+            <a:avLst/>
+          </a:prstGeom>
+          <a:noFill/>
+        </p:spPr>
+        <p:txBody>
+          <a:bodyPr wrap="square">
+            <a:spAutoFit/>
+          </a:bodyPr>
+          <a:lstStyle/>
+          <a:p>
+            <a:pPr algn="ctr"/>
+            <a:r>
+              <a:rPr sz="6000">
+                <a:latin typeface="Arial"/>
+              </a:rPr>
+              <a:t>Daily Covid-19 Cases by Country</a:t>
+            </a:r>
+          </a:p>
+        </p:txBody>
+      </p:sp>
+      <p:sp>
+        <p:nvSpPr>
+          <p:cNvPr id="3" name="TextBox 2"/>
+          <p:cNvSpPr txBox="1"/>
+          <p:nvPr/>
+        </p:nvSpPr>
+        <p:spPr>
+          <a:xfrm>
+            <a:off x="3200400" y="4572000"/>
+            <a:ext cx="7680960" cy="2743200"/>
+          </a:xfrm>
+          <a:prstGeom prst="rect">
+            <a:avLst/>
+          </a:prstGeom>
+          <a:noFill/>
+        </p:spPr>
+        <p:txBody>
+          <a:bodyPr wrap="square">
+            <a:spAutoFit/>
+          </a:bodyPr>
+          <a:lstStyle/>
+          <a:p>
+            <a:pPr algn="ctr"/>
+            <a:r>
+              <a:rPr sz="3000">
+                <a:latin typeface="Arial"/>
+              </a:rPr>
+              <a:t>(USA, Canada, Mexico, UK, France, Germany, Japan, South Korea)</a:t>
+            </a:r>
+          </a:p>
+        </p:txBody>
+      </p:sp>
+      <p:sp>
+        <p:nvSpPr>
+          <p:cNvPr id="4" name="TextBox 3"/>
+          <p:cNvSpPr txBox="1"/>
+          <p:nvPr/>
+        </p:nvSpPr>
+        <p:spPr>
+          <a:xfrm>
+            <a:off x="13807440" y="7406640"/>
+            <a:ext cx="914400" cy="914400"/>
+          </a:xfrm>
+          <a:prstGeom prst="rect">
+            <a:avLst/>
+          </a:prstGeom>
+          <a:noFill/>
+        </p:spPr>
+        <p:txBody>
+          <a:bodyPr wrap="none">
+            <a:spAutoFit/>
+          </a:bodyPr>
+          <a:lstStyle/>
+          <a:p>
+            <a:r>
+              <a:rPr sz="2700">
+                <a:latin typeface="Arial"/>
+              </a:rPr>
+              <a:t>7</a:t>
+            </a:r>
+          </a:p>
+        </p:txBody>
+      </p:sp>
       <p:pic>
         <p:nvPicPr>
-          <p:cNvPr id="2" name="Picture 1" descr="newCases_UnitedStates.png"/>
+          <p:cNvPr id="5" name="Picture 4" descr="rice_logo.png"/>
           <p:cNvPicPr>
             <a:picLocks noChangeAspect="1"/>
           </p:cNvPicPr>
@@ -8980,125 +9261,6 @@
         </p:nvPicPr>
         <p:blipFill>
           <a:blip r:embed="rId2"/>
-          <a:stretch>
-            <a:fillRect/>
-          </a:stretch>
-        </p:blipFill>
-        <p:spPr>
-          <a:xfrm>
-            <a:off x="-731520" y="1828800"/>
-            <a:ext cx="16002000" cy="5334000"/>
-          </a:xfrm>
-          <a:prstGeom prst="rect">
-            <a:avLst/>
-          </a:prstGeom>
-        </p:spPr>
-      </p:pic>
-      <p:sp>
-        <p:nvSpPr>
-          <p:cNvPr id="3" name="TextBox 2"/>
-          <p:cNvSpPr txBox="1"/>
-          <p:nvPr/>
-        </p:nvSpPr>
-        <p:spPr>
-          <a:xfrm>
-            <a:off x="2103120" y="548640"/>
-            <a:ext cx="10058400" cy="2743200"/>
-          </a:xfrm>
-          <a:prstGeom prst="rect">
-            <a:avLst/>
-          </a:prstGeom>
-          <a:noFill/>
-        </p:spPr>
-        <p:txBody>
-          <a:bodyPr wrap="square">
-            <a:spAutoFit/>
-          </a:bodyPr>
-          <a:lstStyle/>
-          <a:p>
-            <a:pPr algn="ctr"/>
-            <a:r>
-              <a:rPr sz="3500">
-                <a:latin typeface="Arial"/>
-              </a:rPr>
-              <a:t>Daily Covid-19 Cases in United States</a:t>
-            </a:r>
-          </a:p>
-        </p:txBody>
-      </p:sp>
-      <p:sp>
-        <p:nvSpPr>
-          <p:cNvPr id="4" name="TextBox 3"/>
-          <p:cNvSpPr txBox="1"/>
-          <p:nvPr/>
-        </p:nvSpPr>
-        <p:spPr>
-          <a:xfrm>
-            <a:off x="1463040" y="6035040"/>
-            <a:ext cx="11887200" cy="4572000"/>
-          </a:xfrm>
-          <a:prstGeom prst="rect">
-            <a:avLst/>
-          </a:prstGeom>
-          <a:noFill/>
-        </p:spPr>
-        <p:txBody>
-          <a:bodyPr wrap="square">
-            <a:spAutoFit/>
-          </a:bodyPr>
-          <a:lstStyle/>
-          <a:p>
-            <a:pPr algn="ctr"/>
-            <a:r>
-              <a:rPr sz="2500">
-                <a:latin typeface="Arial"/>
-              </a:rPr>
-              <a:t/>
-            </a:r>
-          </a:p>
-        </p:txBody>
-      </p:sp>
-      <p:sp>
-        <p:nvSpPr>
-          <p:cNvPr id="5" name="TextBox 4"/>
-          <p:cNvSpPr txBox="1"/>
-          <p:nvPr/>
-        </p:nvSpPr>
-        <p:spPr>
-          <a:xfrm>
-            <a:off x="13807440" y="7406640"/>
-            <a:ext cx="914400" cy="914400"/>
-          </a:xfrm>
-          <a:prstGeom prst="rect">
-            <a:avLst/>
-          </a:prstGeom>
-          <a:noFill/>
-        </p:spPr>
-        <p:txBody>
-          <a:bodyPr wrap="none">
-            <a:spAutoFit/>
-          </a:bodyPr>
-          <a:lstStyle/>
-          <a:p>
-            <a:r>
-              <a:rPr sz="2700">
-                <a:latin typeface="Arial"/>
-              </a:rPr>
-              <a:t>7</a:t>
-            </a:r>
-          </a:p>
-        </p:txBody>
-      </p:sp>
-      <p:pic>
-        <p:nvPicPr>
-          <p:cNvPr id="6" name="Picture 5" descr="rice_logo.png"/>
-          <p:cNvPicPr>
-            <a:picLocks noChangeAspect="1"/>
-          </p:cNvPicPr>
-          <p:nvPr/>
-        </p:nvPicPr>
-        <p:blipFill>
-          <a:blip r:embed="rId3"/>
           <a:stretch>
             <a:fillRect/>
           </a:stretch>
@@ -9133,7 +9295,7 @@
       <p:grpSpPr/>
       <p:pic>
         <p:nvPicPr>
-          <p:cNvPr id="2" name="Picture 1" descr="newCases_Canada.png"/>
+          <p:cNvPr id="2" name="Picture 1" descr="newCases_UnitedStates.png"/>
           <p:cNvPicPr>
             <a:picLocks noChangeAspect="1"/>
           </p:cNvPicPr>
@@ -9182,7 +9344,7 @@
               <a:rPr sz="3500">
                 <a:latin typeface="Arial"/>
               </a:rPr>
-              <a:t>Daily Covid-19 Cases in Canada</a:t>
+              <a:t>Daily Covid-19 Cases in United States</a:t>
             </a:r>
           </a:p>
         </p:txBody>

--- a/Covid19/Covid19_dashboard.pptx
+++ b/Covid19/Covid19_dashboard.pptx
@@ -3328,7 +3328,7 @@
         </p:nvSpPr>
         <p:spPr>
           <a:xfrm>
-            <a:off x="1463040" y="6035040"/>
+            <a:off x="1463040" y="7315200"/>
             <a:ext cx="11887200" cy="4572000"/>
           </a:xfrm>
           <a:prstGeom prst="rect">
@@ -3344,7 +3344,7 @@
           <a:p>
             <a:pPr algn="ctr"/>
             <a:r>
-              <a:rPr sz="2500">
+              <a:rPr sz="3000">
                 <a:latin typeface="Arial"/>
               </a:rPr>
               <a:t/>
@@ -3489,7 +3489,7 @@
         </p:nvSpPr>
         <p:spPr>
           <a:xfrm>
-            <a:off x="1463040" y="6035040"/>
+            <a:off x="1463040" y="7315200"/>
             <a:ext cx="11887200" cy="4572000"/>
           </a:xfrm>
           <a:prstGeom prst="rect">
@@ -3505,7 +3505,7 @@
           <a:p>
             <a:pPr algn="ctr"/>
             <a:r>
-              <a:rPr sz="2500">
+              <a:rPr sz="3000">
                 <a:latin typeface="Arial"/>
               </a:rPr>
               <a:t/>
@@ -3650,7 +3650,7 @@
         </p:nvSpPr>
         <p:spPr>
           <a:xfrm>
-            <a:off x="1463040" y="6035040"/>
+            <a:off x="1463040" y="7315200"/>
             <a:ext cx="11887200" cy="4572000"/>
           </a:xfrm>
           <a:prstGeom prst="rect">
@@ -3666,7 +3666,7 @@
           <a:p>
             <a:pPr algn="ctr"/>
             <a:r>
-              <a:rPr sz="2500">
+              <a:rPr sz="3000">
                 <a:latin typeface="Arial"/>
               </a:rPr>
               <a:t/>
@@ -3811,7 +3811,7 @@
         </p:nvSpPr>
         <p:spPr>
           <a:xfrm>
-            <a:off x="1463040" y="6035040"/>
+            <a:off x="1463040" y="7315200"/>
             <a:ext cx="11887200" cy="4572000"/>
           </a:xfrm>
           <a:prstGeom prst="rect">
@@ -3827,7 +3827,7 @@
           <a:p>
             <a:pPr algn="ctr"/>
             <a:r>
-              <a:rPr sz="2500">
+              <a:rPr sz="3000">
                 <a:latin typeface="Arial"/>
               </a:rPr>
               <a:t/>
@@ -3972,7 +3972,7 @@
         </p:nvSpPr>
         <p:spPr>
           <a:xfrm>
-            <a:off x="1463040" y="6035040"/>
+            <a:off x="1463040" y="7315200"/>
             <a:ext cx="11887200" cy="4572000"/>
           </a:xfrm>
           <a:prstGeom prst="rect">
@@ -3988,7 +3988,7 @@
           <a:p>
             <a:pPr algn="ctr"/>
             <a:r>
-              <a:rPr sz="2500">
+              <a:rPr sz="3000">
                 <a:latin typeface="Arial"/>
               </a:rPr>
               <a:t/>
@@ -4133,7 +4133,7 @@
         </p:nvSpPr>
         <p:spPr>
           <a:xfrm>
-            <a:off x="1463040" y="6035040"/>
+            <a:off x="1463040" y="7315200"/>
             <a:ext cx="11887200" cy="4572000"/>
           </a:xfrm>
           <a:prstGeom prst="rect">
@@ -4149,7 +4149,7 @@
           <a:p>
             <a:pPr algn="ctr"/>
             <a:r>
-              <a:rPr sz="2500">
+              <a:rPr sz="3000">
                 <a:latin typeface="Arial"/>
               </a:rPr>
               <a:t/>
@@ -4294,7 +4294,7 @@
         </p:nvSpPr>
         <p:spPr>
           <a:xfrm>
-            <a:off x="1463040" y="6035040"/>
+            <a:off x="1463040" y="7315200"/>
             <a:ext cx="11887200" cy="4572000"/>
           </a:xfrm>
           <a:prstGeom prst="rect">
@@ -4310,7 +4310,7 @@
           <a:p>
             <a:pPr algn="ctr"/>
             <a:r>
-              <a:rPr sz="2500">
+              <a:rPr sz="3000">
                 <a:latin typeface="Arial"/>
               </a:rPr>
               <a:t/>
@@ -4592,7 +4592,7 @@
         </p:nvSpPr>
         <p:spPr>
           <a:xfrm>
-            <a:off x="1463040" y="6035040"/>
+            <a:off x="1463040" y="7315200"/>
             <a:ext cx="11887200" cy="4572000"/>
           </a:xfrm>
           <a:prstGeom prst="rect">
@@ -4608,7 +4608,7 @@
           <a:p>
             <a:pPr algn="ctr"/>
             <a:r>
-              <a:rPr sz="2500">
+              <a:rPr sz="3000">
                 <a:latin typeface="Arial"/>
               </a:rPr>
               <a:t/>
@@ -4753,7 +4753,7 @@
         </p:nvSpPr>
         <p:spPr>
           <a:xfrm>
-            <a:off x="1463040" y="6035040"/>
+            <a:off x="1463040" y="7315200"/>
             <a:ext cx="11887200" cy="4572000"/>
           </a:xfrm>
           <a:prstGeom prst="rect">
@@ -4769,7 +4769,7 @@
           <a:p>
             <a:pPr algn="ctr"/>
             <a:r>
-              <a:rPr sz="2500">
+              <a:rPr sz="3000">
                 <a:latin typeface="Arial"/>
               </a:rPr>
               <a:t/>
@@ -5243,7 +5243,7 @@
         </p:nvSpPr>
         <p:spPr>
           <a:xfrm>
-            <a:off x="1463040" y="6035040"/>
+            <a:off x="1463040" y="7315200"/>
             <a:ext cx="11887200" cy="4572000"/>
           </a:xfrm>
           <a:prstGeom prst="rect">
@@ -5259,7 +5259,7 @@
           <a:p>
             <a:pPr algn="ctr"/>
             <a:r>
-              <a:rPr sz="2500">
+              <a:rPr sz="3000">
                 <a:latin typeface="Arial"/>
               </a:rPr>
               <a:t/>
@@ -5404,7 +5404,7 @@
         </p:nvSpPr>
         <p:spPr>
           <a:xfrm>
-            <a:off x="1463040" y="6035040"/>
+            <a:off x="1463040" y="7315200"/>
             <a:ext cx="11887200" cy="4572000"/>
           </a:xfrm>
           <a:prstGeom prst="rect">
@@ -5420,7 +5420,7 @@
           <a:p>
             <a:pPr algn="ctr"/>
             <a:r>
-              <a:rPr sz="2500">
+              <a:rPr sz="3000">
                 <a:latin typeface="Arial"/>
               </a:rPr>
               <a:t/>
@@ -5565,7 +5565,7 @@
         </p:nvSpPr>
         <p:spPr>
           <a:xfrm>
-            <a:off x="1463040" y="6035040"/>
+            <a:off x="1463040" y="7315200"/>
             <a:ext cx="11887200" cy="4572000"/>
           </a:xfrm>
           <a:prstGeom prst="rect">
@@ -5581,7 +5581,7 @@
           <a:p>
             <a:pPr algn="ctr"/>
             <a:r>
-              <a:rPr sz="2500">
+              <a:rPr sz="3000">
                 <a:latin typeface="Arial"/>
               </a:rPr>
               <a:t/>
@@ -5726,7 +5726,7 @@
         </p:nvSpPr>
         <p:spPr>
           <a:xfrm>
-            <a:off x="1463040" y="6035040"/>
+            <a:off x="1463040" y="7315200"/>
             <a:ext cx="11887200" cy="4572000"/>
           </a:xfrm>
           <a:prstGeom prst="rect">
@@ -5742,7 +5742,7 @@
           <a:p>
             <a:pPr algn="ctr"/>
             <a:r>
-              <a:rPr sz="2500">
+              <a:rPr sz="3000">
                 <a:latin typeface="Arial"/>
               </a:rPr>
               <a:t/>
@@ -5887,7 +5887,7 @@
         </p:nvSpPr>
         <p:spPr>
           <a:xfrm>
-            <a:off x="1463040" y="6035040"/>
+            <a:off x="1463040" y="7315200"/>
             <a:ext cx="11887200" cy="4572000"/>
           </a:xfrm>
           <a:prstGeom prst="rect">
@@ -5903,7 +5903,7 @@
           <a:p>
             <a:pPr algn="ctr"/>
             <a:r>
-              <a:rPr sz="2500">
+              <a:rPr sz="3000">
                 <a:latin typeface="Arial"/>
               </a:rPr>
               <a:t/>
@@ -6048,7 +6048,7 @@
         </p:nvSpPr>
         <p:spPr>
           <a:xfrm>
-            <a:off x="1463040" y="6035040"/>
+            <a:off x="1463040" y="7315200"/>
             <a:ext cx="11887200" cy="4572000"/>
           </a:xfrm>
           <a:prstGeom prst="rect">
@@ -6064,7 +6064,7 @@
           <a:p>
             <a:pPr algn="ctr"/>
             <a:r>
-              <a:rPr sz="2500">
+              <a:rPr sz="3000">
                 <a:latin typeface="Arial"/>
               </a:rPr>
               <a:t/>
@@ -6346,7 +6346,7 @@
         </p:nvSpPr>
         <p:spPr>
           <a:xfrm>
-            <a:off x="1463040" y="6035040"/>
+            <a:off x="1463040" y="7315200"/>
             <a:ext cx="11887200" cy="4572000"/>
           </a:xfrm>
           <a:prstGeom prst="rect">
@@ -6362,7 +6362,7 @@
           <a:p>
             <a:pPr algn="ctr"/>
             <a:r>
-              <a:rPr sz="2500">
+              <a:rPr sz="3000">
                 <a:latin typeface="Arial"/>
               </a:rPr>
               <a:t/>
@@ -6507,7 +6507,7 @@
         </p:nvSpPr>
         <p:spPr>
           <a:xfrm>
-            <a:off x="1463040" y="6035040"/>
+            <a:off x="1463040" y="7315200"/>
             <a:ext cx="11887200" cy="4572000"/>
           </a:xfrm>
           <a:prstGeom prst="rect">
@@ -6523,7 +6523,7 @@
           <a:p>
             <a:pPr algn="ctr"/>
             <a:r>
-              <a:rPr sz="2500">
+              <a:rPr sz="3000">
                 <a:latin typeface="Arial"/>
               </a:rPr>
               <a:t/>
@@ -6668,7 +6668,7 @@
         </p:nvSpPr>
         <p:spPr>
           <a:xfrm>
-            <a:off x="1463040" y="6035040"/>
+            <a:off x="1463040" y="7315200"/>
             <a:ext cx="11887200" cy="4572000"/>
           </a:xfrm>
           <a:prstGeom prst="rect">
@@ -6684,7 +6684,7 @@
           <a:p>
             <a:pPr algn="ctr"/>
             <a:r>
-              <a:rPr sz="2500">
+              <a:rPr sz="3000">
                 <a:latin typeface="Arial"/>
               </a:rPr>
               <a:t/>
@@ -6829,7 +6829,7 @@
         </p:nvSpPr>
         <p:spPr>
           <a:xfrm>
-            <a:off x="1463040" y="6035040"/>
+            <a:off x="1463040" y="7315200"/>
             <a:ext cx="11887200" cy="4572000"/>
           </a:xfrm>
           <a:prstGeom prst="rect">
@@ -6845,7 +6845,7 @@
           <a:p>
             <a:pPr algn="ctr"/>
             <a:r>
-              <a:rPr sz="2500">
+              <a:rPr sz="3000">
                 <a:latin typeface="Arial"/>
               </a:rPr>
               <a:t/>
@@ -6990,7 +6990,7 @@
         </p:nvSpPr>
         <p:spPr>
           <a:xfrm>
-            <a:off x="1463040" y="6035040"/>
+            <a:off x="1463040" y="7315200"/>
             <a:ext cx="11887200" cy="4572000"/>
           </a:xfrm>
           <a:prstGeom prst="rect">
@@ -7006,7 +7006,7 @@
           <a:p>
             <a:pPr algn="ctr"/>
             <a:r>
-              <a:rPr sz="2500">
+              <a:rPr sz="3000">
                 <a:latin typeface="Arial"/>
               </a:rPr>
               <a:t/>
@@ -7151,7 +7151,7 @@
         </p:nvSpPr>
         <p:spPr>
           <a:xfrm>
-            <a:off x="1463040" y="6035040"/>
+            <a:off x="1463040" y="7315200"/>
             <a:ext cx="11887200" cy="4572000"/>
           </a:xfrm>
           <a:prstGeom prst="rect">
@@ -7167,7 +7167,7 @@
           <a:p>
             <a:pPr algn="ctr"/>
             <a:r>
-              <a:rPr sz="2500">
+              <a:rPr sz="3000">
                 <a:latin typeface="Arial"/>
               </a:rPr>
               <a:t/>
@@ -7312,7 +7312,7 @@
         </p:nvSpPr>
         <p:spPr>
           <a:xfrm>
-            <a:off x="1463040" y="6035040"/>
+            <a:off x="1463040" y="7315200"/>
             <a:ext cx="11887200" cy="4572000"/>
           </a:xfrm>
           <a:prstGeom prst="rect">
@@ -7328,7 +7328,7 @@
           <a:p>
             <a:pPr algn="ctr"/>
             <a:r>
-              <a:rPr sz="2500">
+              <a:rPr sz="3000">
                 <a:latin typeface="Arial"/>
               </a:rPr>
               <a:t/>
@@ -7610,7 +7610,7 @@
         </p:nvSpPr>
         <p:spPr>
           <a:xfrm>
-            <a:off x="1463040" y="6035040"/>
+            <a:off x="1463040" y="7315200"/>
             <a:ext cx="11887200" cy="4572000"/>
           </a:xfrm>
           <a:prstGeom prst="rect">
@@ -7626,7 +7626,7 @@
           <a:p>
             <a:pPr algn="ctr"/>
             <a:r>
-              <a:rPr sz="2500">
+              <a:rPr sz="3000">
                 <a:latin typeface="Arial"/>
               </a:rPr>
               <a:t/>
@@ -7771,7 +7771,7 @@
         </p:nvSpPr>
         <p:spPr>
           <a:xfrm>
-            <a:off x="1463040" y="6035040"/>
+            <a:off x="1463040" y="7315200"/>
             <a:ext cx="11887200" cy="4572000"/>
           </a:xfrm>
           <a:prstGeom prst="rect">
@@ -7787,7 +7787,7 @@
           <a:p>
             <a:pPr algn="ctr"/>
             <a:r>
-              <a:rPr sz="2500">
+              <a:rPr sz="3000">
                 <a:latin typeface="Arial"/>
               </a:rPr>
               <a:t/>
@@ -7932,7 +7932,7 @@
         </p:nvSpPr>
         <p:spPr>
           <a:xfrm>
-            <a:off x="1463040" y="6035040"/>
+            <a:off x="1463040" y="7315200"/>
             <a:ext cx="11887200" cy="4572000"/>
           </a:xfrm>
           <a:prstGeom prst="rect">
@@ -7948,7 +7948,7 @@
           <a:p>
             <a:pPr algn="ctr"/>
             <a:r>
-              <a:rPr sz="2500">
+              <a:rPr sz="3000">
                 <a:latin typeface="Arial"/>
               </a:rPr>
               <a:t/>
@@ -8093,7 +8093,7 @@
         </p:nvSpPr>
         <p:spPr>
           <a:xfrm>
-            <a:off x="1463040" y="6035040"/>
+            <a:off x="1463040" y="7315200"/>
             <a:ext cx="11887200" cy="4572000"/>
           </a:xfrm>
           <a:prstGeom prst="rect">
@@ -8109,7 +8109,7 @@
           <a:p>
             <a:pPr algn="ctr"/>
             <a:r>
-              <a:rPr sz="2500">
+              <a:rPr sz="3000">
                 <a:latin typeface="Arial"/>
               </a:rPr>
               <a:t/>
@@ -8254,7 +8254,7 @@
         </p:nvSpPr>
         <p:spPr>
           <a:xfrm>
-            <a:off x="1463040" y="6035040"/>
+            <a:off x="1463040" y="7315200"/>
             <a:ext cx="11887200" cy="4572000"/>
           </a:xfrm>
           <a:prstGeom prst="rect">
@@ -8270,7 +8270,7 @@
           <a:p>
             <a:pPr algn="ctr"/>
             <a:r>
-              <a:rPr sz="2500">
+              <a:rPr sz="3000">
                 <a:latin typeface="Arial"/>
               </a:rPr>
               <a:t/>
@@ -8415,7 +8415,7 @@
         </p:nvSpPr>
         <p:spPr>
           <a:xfrm>
-            <a:off x="1463040" y="6035040"/>
+            <a:off x="1463040" y="7315200"/>
             <a:ext cx="11887200" cy="4572000"/>
           </a:xfrm>
           <a:prstGeom prst="rect">
@@ -8431,7 +8431,7 @@
           <a:p>
             <a:pPr algn="ctr"/>
             <a:r>
-              <a:rPr sz="2500">
+              <a:rPr sz="3000">
                 <a:latin typeface="Arial"/>
               </a:rPr>
               <a:t/>
@@ -8576,7 +8576,7 @@
         </p:nvSpPr>
         <p:spPr>
           <a:xfrm>
-            <a:off x="1463040" y="6035040"/>
+            <a:off x="1463040" y="7315200"/>
             <a:ext cx="11887200" cy="4572000"/>
           </a:xfrm>
           <a:prstGeom prst="rect">
@@ -8592,7 +8592,7 @@
           <a:p>
             <a:pPr algn="ctr"/>
             <a:r>
-              <a:rPr sz="2500">
+              <a:rPr sz="3000">
                 <a:latin typeface="Arial"/>
               </a:rPr>
               <a:t/>
@@ -8724,7 +8724,7 @@
               <a:rPr sz="3500">
                 <a:latin typeface="Arial"/>
               </a:rPr>
-              <a:t>Total Covid-19 Deaths by Continent</a:t>
+              <a:t>Percentage of population with Covid-19 by continent</a:t>
             </a:r>
           </a:p>
         </p:txBody>
@@ -8737,7 +8737,7 @@
         </p:nvSpPr>
         <p:spPr>
           <a:xfrm>
-            <a:off x="1463040" y="6035040"/>
+            <a:off x="1463040" y="7315200"/>
             <a:ext cx="11887200" cy="4572000"/>
           </a:xfrm>
           <a:prstGeom prst="rect">
@@ -8753,10 +8753,10 @@
           <a:p>
             <a:pPr algn="ctr"/>
             <a:r>
-              <a:rPr sz="2500">
-                <a:latin typeface="Arial"/>
-              </a:rPr>
-              <a:t>Percentage of population testing positive for Covid-19</a:t>
+              <a:rPr sz="3000">
+                <a:latin typeface="Arial"/>
+              </a:rPr>
+              <a:t/>
             </a:r>
           </a:p>
         </p:txBody>
@@ -8898,7 +8898,7 @@
         </p:nvSpPr>
         <p:spPr>
           <a:xfrm>
-            <a:off x="1463040" y="6035040"/>
+            <a:off x="1463040" y="7315200"/>
             <a:ext cx="11887200" cy="4572000"/>
           </a:xfrm>
           <a:prstGeom prst="rect">
@@ -8914,7 +8914,7 @@
           <a:p>
             <a:pPr algn="ctr"/>
             <a:r>
-              <a:rPr sz="2500">
+              <a:rPr sz="3000">
                 <a:latin typeface="Arial"/>
               </a:rPr>
               <a:t/>
@@ -9059,7 +9059,7 @@
         </p:nvSpPr>
         <p:spPr>
           <a:xfrm>
-            <a:off x="1463040" y="6035040"/>
+            <a:off x="1463040" y="7315200"/>
             <a:ext cx="11887200" cy="4572000"/>
           </a:xfrm>
           <a:prstGeom prst="rect">
@@ -9075,7 +9075,7 @@
           <a:p>
             <a:pPr algn="ctr"/>
             <a:r>
-              <a:rPr sz="2500">
+              <a:rPr sz="3000">
                 <a:latin typeface="Arial"/>
               </a:rPr>
               <a:t/>
@@ -9357,7 +9357,7 @@
         </p:nvSpPr>
         <p:spPr>
           <a:xfrm>
-            <a:off x="1463040" y="6035040"/>
+            <a:off x="1463040" y="7315200"/>
             <a:ext cx="11887200" cy="4572000"/>
           </a:xfrm>
           <a:prstGeom prst="rect">
@@ -9373,7 +9373,7 @@
           <a:p>
             <a:pPr algn="ctr"/>
             <a:r>
-              <a:rPr sz="2500">
+              <a:rPr sz="3000">
                 <a:latin typeface="Arial"/>
               </a:rPr>
               <a:t/>

--- a/Covid19/Covid19_dashboard.pptx
+++ b/Covid19/Covid19_dashboard.pptx
@@ -3217,7 +3217,7 @@
               <a:rPr sz="3000">
                 <a:latin typeface="Arial"/>
               </a:rPr>
-              <a:t>January 5, 2022</a:t>
+              <a:t>January 6, 2022</a:t>
             </a:r>
           </a:p>
         </p:txBody>

--- a/Covid19/Covid19_dashboard.pptx
+++ b/Covid19/Covid19_dashboard.pptx
@@ -3219,7 +3219,7 @@
               <a:rPr sz="3000">
                 <a:latin typeface="Arial"/>
               </a:rPr>
-              <a:t>January 8, 2022</a:t>
+              <a:t>January 9, 2022</a:t>
             </a:r>
           </a:p>
         </p:txBody>

--- a/Covid19/Covid19_dashboard.pptx
+++ b/Covid19/Covid19_dashboard.pptx
@@ -3202,7 +3202,7 @@
               <a:rPr sz="3000">
                 <a:latin typeface="Arial"/>
               </a:rPr>
-              <a:t>January 11, 2022</a:t>
+              <a:t>January 12, 2022</a:t>
             </a:r>
           </a:p>
         </p:txBody>

--- a/Covid19/Covid19_dashboard.pptx
+++ b/Covid19/Covid19_dashboard.pptx
@@ -3202,7 +3202,7 @@
               <a:rPr sz="3000">
                 <a:latin typeface="Arial"/>
               </a:rPr>
-              <a:t>January 12, 2022</a:t>
+              <a:t>January 13, 2022</a:t>
             </a:r>
           </a:p>
         </p:txBody>

--- a/Covid19/Covid19_dashboard.pptx
+++ b/Covid19/Covid19_dashboard.pptx
@@ -3202,7 +3202,7 @@
               <a:rPr sz="3000">
                 <a:latin typeface="Arial"/>
               </a:rPr>
-              <a:t>January 13, 2022</a:t>
+              <a:t>January 14, 2022</a:t>
             </a:r>
           </a:p>
         </p:txBody>

--- a/Covid19/Covid19_dashboard.pptx
+++ b/Covid19/Covid19_dashboard.pptx
@@ -3202,7 +3202,7 @@
               <a:rPr sz="3000">
                 <a:latin typeface="Arial"/>
               </a:rPr>
-              <a:t>January 15, 2022</a:t>
+              <a:t>January 16, 2022</a:t>
             </a:r>
           </a:p>
         </p:txBody>

--- a/Covid19/Covid19_dashboard.pptx
+++ b/Covid19/Covid19_dashboard.pptx
@@ -3202,7 +3202,7 @@
               <a:rPr sz="3000">
                 <a:latin typeface="Arial"/>
               </a:rPr>
-              <a:t>January 16, 2022</a:t>
+              <a:t>January 17, 2022</a:t>
             </a:r>
           </a:p>
         </p:txBody>

--- a/Covid19/Covid19_dashboard.pptx
+++ b/Covid19/Covid19_dashboard.pptx
@@ -3202,7 +3202,7 @@
               <a:rPr sz="3000">
                 <a:latin typeface="Arial"/>
               </a:rPr>
-              <a:t>January 19, 2022</a:t>
+              <a:t>January 20, 2022</a:t>
             </a:r>
           </a:p>
         </p:txBody>

--- a/Covid19/Covid19_dashboard.pptx
+++ b/Covid19/Covid19_dashboard.pptx
@@ -3202,7 +3202,7 @@
               <a:rPr sz="3000">
                 <a:latin typeface="Arial"/>
               </a:rPr>
-              <a:t>January 20, 2022</a:t>
+              <a:t>January 21, 2022</a:t>
             </a:r>
           </a:p>
         </p:txBody>

--- a/Covid19/Covid19_dashboard.pptx
+++ b/Covid19/Covid19_dashboard.pptx
@@ -3202,7 +3202,7 @@
               <a:rPr sz="3000">
                 <a:latin typeface="Arial"/>
               </a:rPr>
-              <a:t>January 21, 2022</a:t>
+              <a:t>January 22, 2022</a:t>
             </a:r>
           </a:p>
         </p:txBody>

--- a/Covid19/Covid19_dashboard.pptx
+++ b/Covid19/Covid19_dashboard.pptx
@@ -3202,7 +3202,7 @@
               <a:rPr sz="3000">
                 <a:latin typeface="Arial"/>
               </a:rPr>
-              <a:t>January 22, 2022</a:t>
+              <a:t>January 23, 2022</a:t>
             </a:r>
           </a:p>
         </p:txBody>

--- a/Covid19/Covid19_dashboard.pptx
+++ b/Covid19/Covid19_dashboard.pptx
@@ -3202,7 +3202,7 @@
               <a:rPr sz="3000">
                 <a:latin typeface="Arial"/>
               </a:rPr>
-              <a:t>January 23, 2022</a:t>
+              <a:t>January 24, 2022</a:t>
             </a:r>
           </a:p>
         </p:txBody>

--- a/Covid19/Covid19_dashboard.pptx
+++ b/Covid19/Covid19_dashboard.pptx
@@ -3202,7 +3202,7 @@
               <a:rPr sz="3000">
                 <a:latin typeface="Arial"/>
               </a:rPr>
-              <a:t>January 24, 2022</a:t>
+              <a:t>January 25, 2022</a:t>
             </a:r>
           </a:p>
         </p:txBody>

--- a/Covid19/Covid19_dashboard.pptx
+++ b/Covid19/Covid19_dashboard.pptx
@@ -3202,7 +3202,7 @@
               <a:rPr sz="3000">
                 <a:latin typeface="Arial"/>
               </a:rPr>
-              <a:t>January 25, 2022</a:t>
+              <a:t>January 26, 2022</a:t>
             </a:r>
           </a:p>
         </p:txBody>

--- a/Covid19/Covid19_dashboard.pptx
+++ b/Covid19/Covid19_dashboard.pptx
@@ -3202,7 +3202,7 @@
               <a:rPr sz="3000">
                 <a:latin typeface="Arial"/>
               </a:rPr>
-              <a:t>January 26, 2022</a:t>
+              <a:t>January 27, 2022</a:t>
             </a:r>
           </a:p>
         </p:txBody>

--- a/Covid19/Covid19_dashboard.pptx
+++ b/Covid19/Covid19_dashboard.pptx
@@ -3202,7 +3202,7 @@
               <a:rPr sz="3000">
                 <a:latin typeface="Arial"/>
               </a:rPr>
-              <a:t>January 27, 2022</a:t>
+              <a:t>January 28, 2022</a:t>
             </a:r>
           </a:p>
         </p:txBody>

--- a/Covid19/Covid19_dashboard.pptx
+++ b/Covid19/Covid19_dashboard.pptx
@@ -3202,7 +3202,7 @@
               <a:rPr sz="3000">
                 <a:latin typeface="Arial"/>
               </a:rPr>
-              <a:t>January 28, 2022</a:t>
+              <a:t>January 29, 2022</a:t>
             </a:r>
           </a:p>
         </p:txBody>

--- a/Covid19/Covid19_dashboard.pptx
+++ b/Covid19/Covid19_dashboard.pptx
@@ -3202,7 +3202,7 @@
               <a:rPr sz="3000">
                 <a:latin typeface="Arial"/>
               </a:rPr>
-              <a:t>January 29, 2022</a:t>
+              <a:t>January 30, 2022</a:t>
             </a:r>
           </a:p>
         </p:txBody>

--- a/Covid19/Covid19_dashboard.pptx
+++ b/Covid19/Covid19_dashboard.pptx
@@ -3202,7 +3202,7 @@
               <a:rPr sz="3000">
                 <a:latin typeface="Arial"/>
               </a:rPr>
-              <a:t>January 30, 2022</a:t>
+              <a:t>February 2, 2022</a:t>
             </a:r>
           </a:p>
         </p:txBody>

--- a/Covid19/Covid19_dashboard.pptx
+++ b/Covid19/Covid19_dashboard.pptx
@@ -3202,7 +3202,7 @@
               <a:rPr sz="3000">
                 <a:latin typeface="Arial"/>
               </a:rPr>
-              <a:t>February 2, 2022</a:t>
+              <a:t>February 11, 2022</a:t>
             </a:r>
           </a:p>
         </p:txBody>

--- a/Covid19/Covid19_dashboard.pptx
+++ b/Covid19/Covid19_dashboard.pptx
@@ -3202,7 +3202,7 @@
               <a:rPr sz="3000">
                 <a:latin typeface="Arial"/>
               </a:rPr>
-              <a:t>February 11, 2022</a:t>
+              <a:t>February 14, 2022</a:t>
             </a:r>
           </a:p>
         </p:txBody>

--- a/Covid19/Covid19_dashboard.pptx
+++ b/Covid19/Covid19_dashboard.pptx
@@ -3202,7 +3202,7 @@
               <a:rPr sz="3000">
                 <a:latin typeface="Arial"/>
               </a:rPr>
-              <a:t>February 14, 2022</a:t>
+              <a:t>February 17, 2022</a:t>
             </a:r>
           </a:p>
         </p:txBody>

--- a/Covid19/Covid19_dashboard.pptx
+++ b/Covid19/Covid19_dashboard.pptx
@@ -3202,7 +3202,7 @@
               <a:rPr sz="3000">
                 <a:latin typeface="Arial"/>
               </a:rPr>
-              <a:t>February 17, 2022</a:t>
+              <a:t>February 23, 2022</a:t>
             </a:r>
           </a:p>
         </p:txBody>

--- a/Covid19/Covid19_dashboard.pptx
+++ b/Covid19/Covid19_dashboard.pptx
@@ -3202,7 +3202,7 @@
               <a:rPr sz="3000">
                 <a:latin typeface="Arial"/>
               </a:rPr>
-              <a:t>March 1, 2022</a:t>
+              <a:t>March 4, 2022</a:t>
             </a:r>
           </a:p>
         </p:txBody>

--- a/Covid19/Covid19_dashboard.pptx
+++ b/Covid19/Covid19_dashboard.pptx
@@ -3202,7 +3202,7 @@
               <a:rPr sz="3000">
                 <a:latin typeface="Arial"/>
               </a:rPr>
-              <a:t>March 4, 2022</a:t>
+              <a:t>March 7, 2022</a:t>
             </a:r>
           </a:p>
         </p:txBody>

--- a/Covid19/Covid19_dashboard.pptx
+++ b/Covid19/Covid19_dashboard.pptx
@@ -3202,7 +3202,7 @@
               <a:rPr sz="3000">
                 <a:latin typeface="Arial"/>
               </a:rPr>
-              <a:t>March 16, 2022</a:t>
+              <a:t>March 28, 2022</a:t>
             </a:r>
           </a:p>
         </p:txBody>
